--- a/GPS/界面草稿.pptx
+++ b/GPS/界面草稿.pptx
@@ -130,20 +130,6 @@
 </p:cmAuthorLst>
 </file>
 
-<file path=ppt/comments/comment1.xml><?xml version="1.0" encoding="utf-8"?>
-<p:cmLst xmlns:a="http://schemas.openxmlformats.org/drawingml/2006/main" xmlns:r="http://schemas.openxmlformats.org/officeDocument/2006/relationships" xmlns:p="http://schemas.openxmlformats.org/presentationml/2006/main">
-  <p:cm authorId="1" dt="2020-08-31T16:53:32.962" idx="2">
-    <p:pos x="10" y="10"/>
-    <p:text/>
-    <p:extLst>
-      <p:ext uri="{C676402C-5697-4E1C-873F-D02D1690AC5C}">
-        <p15:threadingInfo xmlns:p15="http://schemas.microsoft.com/office/powerpoint/2012/main" timeZoneBias="-480"/>
-      </p:ext>
-    </p:extLst>
-  </p:cm>
-</p:cmLst>
-</file>
-
 <file path=ppt/slideLayouts/slideLayout1.xml><?xml version="1.0" encoding="utf-8"?>
 <p:sldLayout xmlns:a="http://schemas.openxmlformats.org/drawingml/2006/main" xmlns:r="http://schemas.openxmlformats.org/officeDocument/2006/relationships" xmlns:p="http://schemas.openxmlformats.org/presentationml/2006/main" type="title" preserve="1">
   <p:cSld name="标题幻灯片">
@@ -166,7 +152,7 @@
           <p:cNvPr id="2" name="标题 1">
             <a:extLst>
               <a:ext uri="{FF2B5EF4-FFF2-40B4-BE49-F238E27FC236}">
-                <a16:creationId xmlns:a16="http://schemas.microsoft.com/office/drawing/2014/main" xmlns="" id="{9B6F4813-91C6-4868-9946-4A337EB1A081}"/>
+                <a16:creationId xmlns="" xmlns:a16="http://schemas.microsoft.com/office/drawing/2014/main" id="{9B6F4813-91C6-4868-9946-4A337EB1A081}"/>
               </a:ext>
             </a:extLst>
           </p:cNvPr>
@@ -203,7 +189,7 @@
           <p:cNvPr id="3" name="副标题 2">
             <a:extLst>
               <a:ext uri="{FF2B5EF4-FFF2-40B4-BE49-F238E27FC236}">
-                <a16:creationId xmlns:a16="http://schemas.microsoft.com/office/drawing/2014/main" xmlns="" id="{30EBE182-6AF2-4EB0-BB67-F8EF23504EA1}"/>
+                <a16:creationId xmlns="" xmlns:a16="http://schemas.microsoft.com/office/drawing/2014/main" id="{30EBE182-6AF2-4EB0-BB67-F8EF23504EA1}"/>
               </a:ext>
             </a:extLst>
           </p:cNvPr>
@@ -273,7 +259,7 @@
           <p:cNvPr id="4" name="日期占位符 3">
             <a:extLst>
               <a:ext uri="{FF2B5EF4-FFF2-40B4-BE49-F238E27FC236}">
-                <a16:creationId xmlns:a16="http://schemas.microsoft.com/office/drawing/2014/main" xmlns="" id="{206DCFF6-4714-47A3-ACE6-2D9E26DC1CBD}"/>
+                <a16:creationId xmlns="" xmlns:a16="http://schemas.microsoft.com/office/drawing/2014/main" id="{206DCFF6-4714-47A3-ACE6-2D9E26DC1CBD}"/>
               </a:ext>
             </a:extLst>
           </p:cNvPr>
@@ -291,7 +277,7 @@
           <a:p>
             <a:fld id="{962F646F-5174-4310-B0B3-095E309EDB66}" type="datetimeFigureOut">
               <a:rPr lang="zh-CN" altLang="en-US" smtClean="0"/>
-              <a:t>2020/9/3</a:t>
+              <a:t>2020/12/28</a:t>
             </a:fld>
             <a:endParaRPr lang="zh-CN" altLang="en-US"/>
           </a:p>
@@ -302,7 +288,7 @@
           <p:cNvPr id="5" name="页脚占位符 4">
             <a:extLst>
               <a:ext uri="{FF2B5EF4-FFF2-40B4-BE49-F238E27FC236}">
-                <a16:creationId xmlns:a16="http://schemas.microsoft.com/office/drawing/2014/main" xmlns="" id="{4A726938-D562-44E2-9D15-FD7931C3832C}"/>
+                <a16:creationId xmlns="" xmlns:a16="http://schemas.microsoft.com/office/drawing/2014/main" id="{4A726938-D562-44E2-9D15-FD7931C3832C}"/>
               </a:ext>
             </a:extLst>
           </p:cNvPr>
@@ -327,7 +313,7 @@
           <p:cNvPr id="6" name="灯片编号占位符 5">
             <a:extLst>
               <a:ext uri="{FF2B5EF4-FFF2-40B4-BE49-F238E27FC236}">
-                <a16:creationId xmlns:a16="http://schemas.microsoft.com/office/drawing/2014/main" xmlns="" id="{01108A8F-ADED-48BD-A20C-6E5EB665CA7A}"/>
+                <a16:creationId xmlns="" xmlns:a16="http://schemas.microsoft.com/office/drawing/2014/main" id="{01108A8F-ADED-48BD-A20C-6E5EB665CA7A}"/>
               </a:ext>
             </a:extLst>
           </p:cNvPr>
@@ -386,7 +372,7 @@
           <p:cNvPr id="2" name="标题 1">
             <a:extLst>
               <a:ext uri="{FF2B5EF4-FFF2-40B4-BE49-F238E27FC236}">
-                <a16:creationId xmlns:a16="http://schemas.microsoft.com/office/drawing/2014/main" xmlns="" id="{898E7698-1382-4E3C-BC40-69A166B80329}"/>
+                <a16:creationId xmlns="" xmlns:a16="http://schemas.microsoft.com/office/drawing/2014/main" id="{898E7698-1382-4E3C-BC40-69A166B80329}"/>
               </a:ext>
             </a:extLst>
           </p:cNvPr>
@@ -414,7 +400,7 @@
           <p:cNvPr id="3" name="竖排文字占位符 2">
             <a:extLst>
               <a:ext uri="{FF2B5EF4-FFF2-40B4-BE49-F238E27FC236}">
-                <a16:creationId xmlns:a16="http://schemas.microsoft.com/office/drawing/2014/main" xmlns="" id="{6CE2C0E9-341B-4FF0-957B-3462CECFC387}"/>
+                <a16:creationId xmlns="" xmlns:a16="http://schemas.microsoft.com/office/drawing/2014/main" id="{6CE2C0E9-341B-4FF0-957B-3462CECFC387}"/>
               </a:ext>
             </a:extLst>
           </p:cNvPr>
@@ -471,7 +457,7 @@
           <p:cNvPr id="4" name="日期占位符 3">
             <a:extLst>
               <a:ext uri="{FF2B5EF4-FFF2-40B4-BE49-F238E27FC236}">
-                <a16:creationId xmlns:a16="http://schemas.microsoft.com/office/drawing/2014/main" xmlns="" id="{FB57E9F9-5075-4C7E-BDA1-1D60EF321FE3}"/>
+                <a16:creationId xmlns="" xmlns:a16="http://schemas.microsoft.com/office/drawing/2014/main" id="{FB57E9F9-5075-4C7E-BDA1-1D60EF321FE3}"/>
               </a:ext>
             </a:extLst>
           </p:cNvPr>
@@ -489,7 +475,7 @@
           <a:p>
             <a:fld id="{962F646F-5174-4310-B0B3-095E309EDB66}" type="datetimeFigureOut">
               <a:rPr lang="zh-CN" altLang="en-US" smtClean="0"/>
-              <a:t>2020/9/3</a:t>
+              <a:t>2020/12/28</a:t>
             </a:fld>
             <a:endParaRPr lang="zh-CN" altLang="en-US"/>
           </a:p>
@@ -500,7 +486,7 @@
           <p:cNvPr id="5" name="页脚占位符 4">
             <a:extLst>
               <a:ext uri="{FF2B5EF4-FFF2-40B4-BE49-F238E27FC236}">
-                <a16:creationId xmlns:a16="http://schemas.microsoft.com/office/drawing/2014/main" xmlns="" id="{0753CA1A-81FA-426F-81F9-195E200C23F6}"/>
+                <a16:creationId xmlns="" xmlns:a16="http://schemas.microsoft.com/office/drawing/2014/main" id="{0753CA1A-81FA-426F-81F9-195E200C23F6}"/>
               </a:ext>
             </a:extLst>
           </p:cNvPr>
@@ -525,7 +511,7 @@
           <p:cNvPr id="6" name="灯片编号占位符 5">
             <a:extLst>
               <a:ext uri="{FF2B5EF4-FFF2-40B4-BE49-F238E27FC236}">
-                <a16:creationId xmlns:a16="http://schemas.microsoft.com/office/drawing/2014/main" xmlns="" id="{732ABEFB-4A60-4F3B-A138-252E177E33C5}"/>
+                <a16:creationId xmlns="" xmlns:a16="http://schemas.microsoft.com/office/drawing/2014/main" id="{732ABEFB-4A60-4F3B-A138-252E177E33C5}"/>
               </a:ext>
             </a:extLst>
           </p:cNvPr>
@@ -584,7 +570,7 @@
           <p:cNvPr id="2" name="竖排标题 1">
             <a:extLst>
               <a:ext uri="{FF2B5EF4-FFF2-40B4-BE49-F238E27FC236}">
-                <a16:creationId xmlns:a16="http://schemas.microsoft.com/office/drawing/2014/main" xmlns="" id="{F36E6665-7122-49B4-92B1-7C5BDBAA7A34}"/>
+                <a16:creationId xmlns="" xmlns:a16="http://schemas.microsoft.com/office/drawing/2014/main" id="{F36E6665-7122-49B4-92B1-7C5BDBAA7A34}"/>
               </a:ext>
             </a:extLst>
           </p:cNvPr>
@@ -617,7 +603,7 @@
           <p:cNvPr id="3" name="竖排文字占位符 2">
             <a:extLst>
               <a:ext uri="{FF2B5EF4-FFF2-40B4-BE49-F238E27FC236}">
-                <a16:creationId xmlns:a16="http://schemas.microsoft.com/office/drawing/2014/main" xmlns="" id="{677A6D9B-2DDB-4A0C-8894-6291622B6017}"/>
+                <a16:creationId xmlns="" xmlns:a16="http://schemas.microsoft.com/office/drawing/2014/main" id="{677A6D9B-2DDB-4A0C-8894-6291622B6017}"/>
               </a:ext>
             </a:extLst>
           </p:cNvPr>
@@ -679,7 +665,7 @@
           <p:cNvPr id="4" name="日期占位符 3">
             <a:extLst>
               <a:ext uri="{FF2B5EF4-FFF2-40B4-BE49-F238E27FC236}">
-                <a16:creationId xmlns:a16="http://schemas.microsoft.com/office/drawing/2014/main" xmlns="" id="{FC2D7B97-8A29-43C7-AC2A-04AFB88F9083}"/>
+                <a16:creationId xmlns="" xmlns:a16="http://schemas.microsoft.com/office/drawing/2014/main" id="{FC2D7B97-8A29-43C7-AC2A-04AFB88F9083}"/>
               </a:ext>
             </a:extLst>
           </p:cNvPr>
@@ -697,7 +683,7 @@
           <a:p>
             <a:fld id="{962F646F-5174-4310-B0B3-095E309EDB66}" type="datetimeFigureOut">
               <a:rPr lang="zh-CN" altLang="en-US" smtClean="0"/>
-              <a:t>2020/9/3</a:t>
+              <a:t>2020/12/28</a:t>
             </a:fld>
             <a:endParaRPr lang="zh-CN" altLang="en-US"/>
           </a:p>
@@ -708,7 +694,7 @@
           <p:cNvPr id="5" name="页脚占位符 4">
             <a:extLst>
               <a:ext uri="{FF2B5EF4-FFF2-40B4-BE49-F238E27FC236}">
-                <a16:creationId xmlns:a16="http://schemas.microsoft.com/office/drawing/2014/main" xmlns="" id="{F936DC3C-8CC9-49D3-9A6A-497FD0581028}"/>
+                <a16:creationId xmlns="" xmlns:a16="http://schemas.microsoft.com/office/drawing/2014/main" id="{F936DC3C-8CC9-49D3-9A6A-497FD0581028}"/>
               </a:ext>
             </a:extLst>
           </p:cNvPr>
@@ -733,7 +719,7 @@
           <p:cNvPr id="6" name="灯片编号占位符 5">
             <a:extLst>
               <a:ext uri="{FF2B5EF4-FFF2-40B4-BE49-F238E27FC236}">
-                <a16:creationId xmlns:a16="http://schemas.microsoft.com/office/drawing/2014/main" xmlns="" id="{BADE3CCD-0D8D-4996-8EC3-24DFF9862E9D}"/>
+                <a16:creationId xmlns="" xmlns:a16="http://schemas.microsoft.com/office/drawing/2014/main" id="{BADE3CCD-0D8D-4996-8EC3-24DFF9862E9D}"/>
               </a:ext>
             </a:extLst>
           </p:cNvPr>
@@ -792,7 +778,7 @@
           <p:cNvPr id="2" name="标题 1">
             <a:extLst>
               <a:ext uri="{FF2B5EF4-FFF2-40B4-BE49-F238E27FC236}">
-                <a16:creationId xmlns:a16="http://schemas.microsoft.com/office/drawing/2014/main" xmlns="" id="{39DF4CA4-475B-41AF-B498-4DC71F6EA88D}"/>
+                <a16:creationId xmlns="" xmlns:a16="http://schemas.microsoft.com/office/drawing/2014/main" id="{39DF4CA4-475B-41AF-B498-4DC71F6EA88D}"/>
               </a:ext>
             </a:extLst>
           </p:cNvPr>
@@ -820,7 +806,7 @@
           <p:cNvPr id="3" name="内容占位符 2">
             <a:extLst>
               <a:ext uri="{FF2B5EF4-FFF2-40B4-BE49-F238E27FC236}">
-                <a16:creationId xmlns:a16="http://schemas.microsoft.com/office/drawing/2014/main" xmlns="" id="{F2A4402B-54F5-43D0-9ADF-1038D61FB636}"/>
+                <a16:creationId xmlns="" xmlns:a16="http://schemas.microsoft.com/office/drawing/2014/main" id="{F2A4402B-54F5-43D0-9ADF-1038D61FB636}"/>
               </a:ext>
             </a:extLst>
           </p:cNvPr>
@@ -877,7 +863,7 @@
           <p:cNvPr id="4" name="日期占位符 3">
             <a:extLst>
               <a:ext uri="{FF2B5EF4-FFF2-40B4-BE49-F238E27FC236}">
-                <a16:creationId xmlns:a16="http://schemas.microsoft.com/office/drawing/2014/main" xmlns="" id="{96EF0910-2E8C-4225-9628-CD334F397095}"/>
+                <a16:creationId xmlns="" xmlns:a16="http://schemas.microsoft.com/office/drawing/2014/main" id="{96EF0910-2E8C-4225-9628-CD334F397095}"/>
               </a:ext>
             </a:extLst>
           </p:cNvPr>
@@ -895,7 +881,7 @@
           <a:p>
             <a:fld id="{962F646F-5174-4310-B0B3-095E309EDB66}" type="datetimeFigureOut">
               <a:rPr lang="zh-CN" altLang="en-US" smtClean="0"/>
-              <a:t>2020/9/3</a:t>
+              <a:t>2020/12/28</a:t>
             </a:fld>
             <a:endParaRPr lang="zh-CN" altLang="en-US"/>
           </a:p>
@@ -906,7 +892,7 @@
           <p:cNvPr id="5" name="页脚占位符 4">
             <a:extLst>
               <a:ext uri="{FF2B5EF4-FFF2-40B4-BE49-F238E27FC236}">
-                <a16:creationId xmlns:a16="http://schemas.microsoft.com/office/drawing/2014/main" xmlns="" id="{341533AC-5A56-4783-BD33-C5A2D880F2D3}"/>
+                <a16:creationId xmlns="" xmlns:a16="http://schemas.microsoft.com/office/drawing/2014/main" id="{341533AC-5A56-4783-BD33-C5A2D880F2D3}"/>
               </a:ext>
             </a:extLst>
           </p:cNvPr>
@@ -931,7 +917,7 @@
           <p:cNvPr id="6" name="灯片编号占位符 5">
             <a:extLst>
               <a:ext uri="{FF2B5EF4-FFF2-40B4-BE49-F238E27FC236}">
-                <a16:creationId xmlns:a16="http://schemas.microsoft.com/office/drawing/2014/main" xmlns="" id="{7940964A-9E67-4F7C-AC9D-D8DF5117FEFE}"/>
+                <a16:creationId xmlns="" xmlns:a16="http://schemas.microsoft.com/office/drawing/2014/main" id="{7940964A-9E67-4F7C-AC9D-D8DF5117FEFE}"/>
               </a:ext>
             </a:extLst>
           </p:cNvPr>
@@ -990,7 +976,7 @@
           <p:cNvPr id="2" name="标题 1">
             <a:extLst>
               <a:ext uri="{FF2B5EF4-FFF2-40B4-BE49-F238E27FC236}">
-                <a16:creationId xmlns:a16="http://schemas.microsoft.com/office/drawing/2014/main" xmlns="" id="{30F30540-3565-4854-9915-027362DE78F7}"/>
+                <a16:creationId xmlns="" xmlns:a16="http://schemas.microsoft.com/office/drawing/2014/main" id="{30F30540-3565-4854-9915-027362DE78F7}"/>
               </a:ext>
             </a:extLst>
           </p:cNvPr>
@@ -1027,7 +1013,7 @@
           <p:cNvPr id="3" name="文本占位符 2">
             <a:extLst>
               <a:ext uri="{FF2B5EF4-FFF2-40B4-BE49-F238E27FC236}">
-                <a16:creationId xmlns:a16="http://schemas.microsoft.com/office/drawing/2014/main" xmlns="" id="{CE66FAF1-DE2E-4E7A-ACD2-847EEA0F1623}"/>
+                <a16:creationId xmlns="" xmlns:a16="http://schemas.microsoft.com/office/drawing/2014/main" id="{CE66FAF1-DE2E-4E7A-ACD2-847EEA0F1623}"/>
               </a:ext>
             </a:extLst>
           </p:cNvPr>
@@ -1152,7 +1138,7 @@
           <p:cNvPr id="4" name="日期占位符 3">
             <a:extLst>
               <a:ext uri="{FF2B5EF4-FFF2-40B4-BE49-F238E27FC236}">
-                <a16:creationId xmlns:a16="http://schemas.microsoft.com/office/drawing/2014/main" xmlns="" id="{F630CCD1-E820-4B79-88F3-0E0DA9C504D2}"/>
+                <a16:creationId xmlns="" xmlns:a16="http://schemas.microsoft.com/office/drawing/2014/main" id="{F630CCD1-E820-4B79-88F3-0E0DA9C504D2}"/>
               </a:ext>
             </a:extLst>
           </p:cNvPr>
@@ -1170,7 +1156,7 @@
           <a:p>
             <a:fld id="{962F646F-5174-4310-B0B3-095E309EDB66}" type="datetimeFigureOut">
               <a:rPr lang="zh-CN" altLang="en-US" smtClean="0"/>
-              <a:t>2020/9/3</a:t>
+              <a:t>2020/12/28</a:t>
             </a:fld>
             <a:endParaRPr lang="zh-CN" altLang="en-US"/>
           </a:p>
@@ -1181,7 +1167,7 @@
           <p:cNvPr id="5" name="页脚占位符 4">
             <a:extLst>
               <a:ext uri="{FF2B5EF4-FFF2-40B4-BE49-F238E27FC236}">
-                <a16:creationId xmlns:a16="http://schemas.microsoft.com/office/drawing/2014/main" xmlns="" id="{EC3C683D-7D55-40AD-BD9A-3E36F08E7A1A}"/>
+                <a16:creationId xmlns="" xmlns:a16="http://schemas.microsoft.com/office/drawing/2014/main" id="{EC3C683D-7D55-40AD-BD9A-3E36F08E7A1A}"/>
               </a:ext>
             </a:extLst>
           </p:cNvPr>
@@ -1206,7 +1192,7 @@
           <p:cNvPr id="6" name="灯片编号占位符 5">
             <a:extLst>
               <a:ext uri="{FF2B5EF4-FFF2-40B4-BE49-F238E27FC236}">
-                <a16:creationId xmlns:a16="http://schemas.microsoft.com/office/drawing/2014/main" xmlns="" id="{C897AB13-5ED2-4D3E-8A91-41C8006F2CBD}"/>
+                <a16:creationId xmlns="" xmlns:a16="http://schemas.microsoft.com/office/drawing/2014/main" id="{C897AB13-5ED2-4D3E-8A91-41C8006F2CBD}"/>
               </a:ext>
             </a:extLst>
           </p:cNvPr>
@@ -1265,7 +1251,7 @@
           <p:cNvPr id="2" name="标题 1">
             <a:extLst>
               <a:ext uri="{FF2B5EF4-FFF2-40B4-BE49-F238E27FC236}">
-                <a16:creationId xmlns:a16="http://schemas.microsoft.com/office/drawing/2014/main" xmlns="" id="{CD8B2BCB-AD67-49BE-96F2-9E4FDAC7CBAF}"/>
+                <a16:creationId xmlns="" xmlns:a16="http://schemas.microsoft.com/office/drawing/2014/main" id="{CD8B2BCB-AD67-49BE-96F2-9E4FDAC7CBAF}"/>
               </a:ext>
             </a:extLst>
           </p:cNvPr>
@@ -1293,7 +1279,7 @@
           <p:cNvPr id="3" name="内容占位符 2">
             <a:extLst>
               <a:ext uri="{FF2B5EF4-FFF2-40B4-BE49-F238E27FC236}">
-                <a16:creationId xmlns:a16="http://schemas.microsoft.com/office/drawing/2014/main" xmlns="" id="{B3D62018-4F00-42A1-ACA6-082E4FAF30FE}"/>
+                <a16:creationId xmlns="" xmlns:a16="http://schemas.microsoft.com/office/drawing/2014/main" id="{B3D62018-4F00-42A1-ACA6-082E4FAF30FE}"/>
               </a:ext>
             </a:extLst>
           </p:cNvPr>
@@ -1355,7 +1341,7 @@
           <p:cNvPr id="4" name="内容占位符 3">
             <a:extLst>
               <a:ext uri="{FF2B5EF4-FFF2-40B4-BE49-F238E27FC236}">
-                <a16:creationId xmlns:a16="http://schemas.microsoft.com/office/drawing/2014/main" xmlns="" id="{16897122-3F90-4E01-BEF4-EBFDCFC7F299}"/>
+                <a16:creationId xmlns="" xmlns:a16="http://schemas.microsoft.com/office/drawing/2014/main" id="{16897122-3F90-4E01-BEF4-EBFDCFC7F299}"/>
               </a:ext>
             </a:extLst>
           </p:cNvPr>
@@ -1417,7 +1403,7 @@
           <p:cNvPr id="5" name="日期占位符 4">
             <a:extLst>
               <a:ext uri="{FF2B5EF4-FFF2-40B4-BE49-F238E27FC236}">
-                <a16:creationId xmlns:a16="http://schemas.microsoft.com/office/drawing/2014/main" xmlns="" id="{71498C9C-A6CF-44E3-82C5-1A1C6B43CB2E}"/>
+                <a16:creationId xmlns="" xmlns:a16="http://schemas.microsoft.com/office/drawing/2014/main" id="{71498C9C-A6CF-44E3-82C5-1A1C6B43CB2E}"/>
               </a:ext>
             </a:extLst>
           </p:cNvPr>
@@ -1435,7 +1421,7 @@
           <a:p>
             <a:fld id="{962F646F-5174-4310-B0B3-095E309EDB66}" type="datetimeFigureOut">
               <a:rPr lang="zh-CN" altLang="en-US" smtClean="0"/>
-              <a:t>2020/9/3</a:t>
+              <a:t>2020/12/28</a:t>
             </a:fld>
             <a:endParaRPr lang="zh-CN" altLang="en-US"/>
           </a:p>
@@ -1446,7 +1432,7 @@
           <p:cNvPr id="6" name="页脚占位符 5">
             <a:extLst>
               <a:ext uri="{FF2B5EF4-FFF2-40B4-BE49-F238E27FC236}">
-                <a16:creationId xmlns:a16="http://schemas.microsoft.com/office/drawing/2014/main" xmlns="" id="{B426BF5D-0251-479B-8ABA-144DCB39969B}"/>
+                <a16:creationId xmlns="" xmlns:a16="http://schemas.microsoft.com/office/drawing/2014/main" id="{B426BF5D-0251-479B-8ABA-144DCB39969B}"/>
               </a:ext>
             </a:extLst>
           </p:cNvPr>
@@ -1471,7 +1457,7 @@
           <p:cNvPr id="7" name="灯片编号占位符 6">
             <a:extLst>
               <a:ext uri="{FF2B5EF4-FFF2-40B4-BE49-F238E27FC236}">
-                <a16:creationId xmlns:a16="http://schemas.microsoft.com/office/drawing/2014/main" xmlns="" id="{472C4724-5B3C-4863-B63B-DBB33D55D25C}"/>
+                <a16:creationId xmlns="" xmlns:a16="http://schemas.microsoft.com/office/drawing/2014/main" id="{472C4724-5B3C-4863-B63B-DBB33D55D25C}"/>
               </a:ext>
             </a:extLst>
           </p:cNvPr>
@@ -1530,7 +1516,7 @@
           <p:cNvPr id="2" name="标题 1">
             <a:extLst>
               <a:ext uri="{FF2B5EF4-FFF2-40B4-BE49-F238E27FC236}">
-                <a16:creationId xmlns:a16="http://schemas.microsoft.com/office/drawing/2014/main" xmlns="" id="{B59622C9-4AE2-4AF9-9902-37C009548891}"/>
+                <a16:creationId xmlns="" xmlns:a16="http://schemas.microsoft.com/office/drawing/2014/main" id="{B59622C9-4AE2-4AF9-9902-37C009548891}"/>
               </a:ext>
             </a:extLst>
           </p:cNvPr>
@@ -1563,7 +1549,7 @@
           <p:cNvPr id="3" name="文本占位符 2">
             <a:extLst>
               <a:ext uri="{FF2B5EF4-FFF2-40B4-BE49-F238E27FC236}">
-                <a16:creationId xmlns:a16="http://schemas.microsoft.com/office/drawing/2014/main" xmlns="" id="{5D63E212-51CE-4643-AED3-20695E73D872}"/>
+                <a16:creationId xmlns="" xmlns:a16="http://schemas.microsoft.com/office/drawing/2014/main" id="{5D63E212-51CE-4643-AED3-20695E73D872}"/>
               </a:ext>
             </a:extLst>
           </p:cNvPr>
@@ -1634,7 +1620,7 @@
           <p:cNvPr id="4" name="内容占位符 3">
             <a:extLst>
               <a:ext uri="{FF2B5EF4-FFF2-40B4-BE49-F238E27FC236}">
-                <a16:creationId xmlns:a16="http://schemas.microsoft.com/office/drawing/2014/main" xmlns="" id="{4CC2BEF2-D535-4AF7-875F-0F7B67EE1B98}"/>
+                <a16:creationId xmlns="" xmlns:a16="http://schemas.microsoft.com/office/drawing/2014/main" id="{4CC2BEF2-D535-4AF7-875F-0F7B67EE1B98}"/>
               </a:ext>
             </a:extLst>
           </p:cNvPr>
@@ -1696,7 +1682,7 @@
           <p:cNvPr id="5" name="文本占位符 4">
             <a:extLst>
               <a:ext uri="{FF2B5EF4-FFF2-40B4-BE49-F238E27FC236}">
-                <a16:creationId xmlns:a16="http://schemas.microsoft.com/office/drawing/2014/main" xmlns="" id="{6764319F-CDF3-4F7F-833D-F4B65D2A6CDD}"/>
+                <a16:creationId xmlns="" xmlns:a16="http://schemas.microsoft.com/office/drawing/2014/main" id="{6764319F-CDF3-4F7F-833D-F4B65D2A6CDD}"/>
               </a:ext>
             </a:extLst>
           </p:cNvPr>
@@ -1767,7 +1753,7 @@
           <p:cNvPr id="6" name="内容占位符 5">
             <a:extLst>
               <a:ext uri="{FF2B5EF4-FFF2-40B4-BE49-F238E27FC236}">
-                <a16:creationId xmlns:a16="http://schemas.microsoft.com/office/drawing/2014/main" xmlns="" id="{E111E31D-CF42-475A-B97E-25949CF0079B}"/>
+                <a16:creationId xmlns="" xmlns:a16="http://schemas.microsoft.com/office/drawing/2014/main" id="{E111E31D-CF42-475A-B97E-25949CF0079B}"/>
               </a:ext>
             </a:extLst>
           </p:cNvPr>
@@ -1829,7 +1815,7 @@
           <p:cNvPr id="7" name="日期占位符 6">
             <a:extLst>
               <a:ext uri="{FF2B5EF4-FFF2-40B4-BE49-F238E27FC236}">
-                <a16:creationId xmlns:a16="http://schemas.microsoft.com/office/drawing/2014/main" xmlns="" id="{9CE4AA40-9E16-484F-A83F-4166E8C39B0B}"/>
+                <a16:creationId xmlns="" xmlns:a16="http://schemas.microsoft.com/office/drawing/2014/main" id="{9CE4AA40-9E16-484F-A83F-4166E8C39B0B}"/>
               </a:ext>
             </a:extLst>
           </p:cNvPr>
@@ -1847,7 +1833,7 @@
           <a:p>
             <a:fld id="{962F646F-5174-4310-B0B3-095E309EDB66}" type="datetimeFigureOut">
               <a:rPr lang="zh-CN" altLang="en-US" smtClean="0"/>
-              <a:t>2020/9/3</a:t>
+              <a:t>2020/12/28</a:t>
             </a:fld>
             <a:endParaRPr lang="zh-CN" altLang="en-US"/>
           </a:p>
@@ -1858,7 +1844,7 @@
           <p:cNvPr id="8" name="页脚占位符 7">
             <a:extLst>
               <a:ext uri="{FF2B5EF4-FFF2-40B4-BE49-F238E27FC236}">
-                <a16:creationId xmlns:a16="http://schemas.microsoft.com/office/drawing/2014/main" xmlns="" id="{BA62F58D-B72B-4729-AEEE-E03C8456E698}"/>
+                <a16:creationId xmlns="" xmlns:a16="http://schemas.microsoft.com/office/drawing/2014/main" id="{BA62F58D-B72B-4729-AEEE-E03C8456E698}"/>
               </a:ext>
             </a:extLst>
           </p:cNvPr>
@@ -1883,7 +1869,7 @@
           <p:cNvPr id="9" name="灯片编号占位符 8">
             <a:extLst>
               <a:ext uri="{FF2B5EF4-FFF2-40B4-BE49-F238E27FC236}">
-                <a16:creationId xmlns:a16="http://schemas.microsoft.com/office/drawing/2014/main" xmlns="" id="{03D16675-F393-48C6-994C-AF8835FF112F}"/>
+                <a16:creationId xmlns="" xmlns:a16="http://schemas.microsoft.com/office/drawing/2014/main" id="{03D16675-F393-48C6-994C-AF8835FF112F}"/>
               </a:ext>
             </a:extLst>
           </p:cNvPr>
@@ -1942,7 +1928,7 @@
           <p:cNvPr id="2" name="标题 1">
             <a:extLst>
               <a:ext uri="{FF2B5EF4-FFF2-40B4-BE49-F238E27FC236}">
-                <a16:creationId xmlns:a16="http://schemas.microsoft.com/office/drawing/2014/main" xmlns="" id="{55C7A5C8-6E72-4877-A92A-B0448642BEB2}"/>
+                <a16:creationId xmlns="" xmlns:a16="http://schemas.microsoft.com/office/drawing/2014/main" id="{55C7A5C8-6E72-4877-A92A-B0448642BEB2}"/>
               </a:ext>
             </a:extLst>
           </p:cNvPr>
@@ -1970,7 +1956,7 @@
           <p:cNvPr id="3" name="日期占位符 2">
             <a:extLst>
               <a:ext uri="{FF2B5EF4-FFF2-40B4-BE49-F238E27FC236}">
-                <a16:creationId xmlns:a16="http://schemas.microsoft.com/office/drawing/2014/main" xmlns="" id="{99EDD0D0-A89D-4480-9031-3D6F2A3DCED3}"/>
+                <a16:creationId xmlns="" xmlns:a16="http://schemas.microsoft.com/office/drawing/2014/main" id="{99EDD0D0-A89D-4480-9031-3D6F2A3DCED3}"/>
               </a:ext>
             </a:extLst>
           </p:cNvPr>
@@ -1988,7 +1974,7 @@
           <a:p>
             <a:fld id="{962F646F-5174-4310-B0B3-095E309EDB66}" type="datetimeFigureOut">
               <a:rPr lang="zh-CN" altLang="en-US" smtClean="0"/>
-              <a:t>2020/9/3</a:t>
+              <a:t>2020/12/28</a:t>
             </a:fld>
             <a:endParaRPr lang="zh-CN" altLang="en-US"/>
           </a:p>
@@ -1999,7 +1985,7 @@
           <p:cNvPr id="4" name="页脚占位符 3">
             <a:extLst>
               <a:ext uri="{FF2B5EF4-FFF2-40B4-BE49-F238E27FC236}">
-                <a16:creationId xmlns:a16="http://schemas.microsoft.com/office/drawing/2014/main" xmlns="" id="{362D8E5E-5CED-42B7-9898-FD62F2D184A9}"/>
+                <a16:creationId xmlns="" xmlns:a16="http://schemas.microsoft.com/office/drawing/2014/main" id="{362D8E5E-5CED-42B7-9898-FD62F2D184A9}"/>
               </a:ext>
             </a:extLst>
           </p:cNvPr>
@@ -2024,7 +2010,7 @@
           <p:cNvPr id="5" name="灯片编号占位符 4">
             <a:extLst>
               <a:ext uri="{FF2B5EF4-FFF2-40B4-BE49-F238E27FC236}">
-                <a16:creationId xmlns:a16="http://schemas.microsoft.com/office/drawing/2014/main" xmlns="" id="{90E28691-F110-4D19-AC07-4BAE0498E448}"/>
+                <a16:creationId xmlns="" xmlns:a16="http://schemas.microsoft.com/office/drawing/2014/main" id="{90E28691-F110-4D19-AC07-4BAE0498E448}"/>
               </a:ext>
             </a:extLst>
           </p:cNvPr>
@@ -2083,7 +2069,7 @@
           <p:cNvPr id="2" name="日期占位符 1">
             <a:extLst>
               <a:ext uri="{FF2B5EF4-FFF2-40B4-BE49-F238E27FC236}">
-                <a16:creationId xmlns:a16="http://schemas.microsoft.com/office/drawing/2014/main" xmlns="" id="{3E428CF9-F39D-4712-872B-4A6B0ADFDDDE}"/>
+                <a16:creationId xmlns="" xmlns:a16="http://schemas.microsoft.com/office/drawing/2014/main" id="{3E428CF9-F39D-4712-872B-4A6B0ADFDDDE}"/>
               </a:ext>
             </a:extLst>
           </p:cNvPr>
@@ -2101,7 +2087,7 @@
           <a:p>
             <a:fld id="{962F646F-5174-4310-B0B3-095E309EDB66}" type="datetimeFigureOut">
               <a:rPr lang="zh-CN" altLang="en-US" smtClean="0"/>
-              <a:t>2020/9/3</a:t>
+              <a:t>2020/12/28</a:t>
             </a:fld>
             <a:endParaRPr lang="zh-CN" altLang="en-US"/>
           </a:p>
@@ -2112,7 +2098,7 @@
           <p:cNvPr id="3" name="页脚占位符 2">
             <a:extLst>
               <a:ext uri="{FF2B5EF4-FFF2-40B4-BE49-F238E27FC236}">
-                <a16:creationId xmlns:a16="http://schemas.microsoft.com/office/drawing/2014/main" xmlns="" id="{A0F0A267-1773-4095-BB6F-C7F92AAAE458}"/>
+                <a16:creationId xmlns="" xmlns:a16="http://schemas.microsoft.com/office/drawing/2014/main" id="{A0F0A267-1773-4095-BB6F-C7F92AAAE458}"/>
               </a:ext>
             </a:extLst>
           </p:cNvPr>
@@ -2137,7 +2123,7 @@
           <p:cNvPr id="4" name="灯片编号占位符 3">
             <a:extLst>
               <a:ext uri="{FF2B5EF4-FFF2-40B4-BE49-F238E27FC236}">
-                <a16:creationId xmlns:a16="http://schemas.microsoft.com/office/drawing/2014/main" xmlns="" id="{FC83C74F-4511-4C69-88E1-3CA036F84BA1}"/>
+                <a16:creationId xmlns="" xmlns:a16="http://schemas.microsoft.com/office/drawing/2014/main" id="{FC83C74F-4511-4C69-88E1-3CA036F84BA1}"/>
               </a:ext>
             </a:extLst>
           </p:cNvPr>
@@ -2196,7 +2182,7 @@
           <p:cNvPr id="2" name="标题 1">
             <a:extLst>
               <a:ext uri="{FF2B5EF4-FFF2-40B4-BE49-F238E27FC236}">
-                <a16:creationId xmlns:a16="http://schemas.microsoft.com/office/drawing/2014/main" xmlns="" id="{4453B6F2-A0A2-475B-8D89-917FC42B7D7B}"/>
+                <a16:creationId xmlns="" xmlns:a16="http://schemas.microsoft.com/office/drawing/2014/main" id="{4453B6F2-A0A2-475B-8D89-917FC42B7D7B}"/>
               </a:ext>
             </a:extLst>
           </p:cNvPr>
@@ -2233,7 +2219,7 @@
           <p:cNvPr id="3" name="内容占位符 2">
             <a:extLst>
               <a:ext uri="{FF2B5EF4-FFF2-40B4-BE49-F238E27FC236}">
-                <a16:creationId xmlns:a16="http://schemas.microsoft.com/office/drawing/2014/main" xmlns="" id="{DBFDE937-C331-48FB-9CDF-01B149D82496}"/>
+                <a16:creationId xmlns="" xmlns:a16="http://schemas.microsoft.com/office/drawing/2014/main" id="{DBFDE937-C331-48FB-9CDF-01B149D82496}"/>
               </a:ext>
             </a:extLst>
           </p:cNvPr>
@@ -2323,7 +2309,7 @@
           <p:cNvPr id="4" name="文本占位符 3">
             <a:extLst>
               <a:ext uri="{FF2B5EF4-FFF2-40B4-BE49-F238E27FC236}">
-                <a16:creationId xmlns:a16="http://schemas.microsoft.com/office/drawing/2014/main" xmlns="" id="{40771E73-4873-451F-8960-BAEEBFB8D7F6}"/>
+                <a16:creationId xmlns="" xmlns:a16="http://schemas.microsoft.com/office/drawing/2014/main" id="{40771E73-4873-451F-8960-BAEEBFB8D7F6}"/>
               </a:ext>
             </a:extLst>
           </p:cNvPr>
@@ -2394,7 +2380,7 @@
           <p:cNvPr id="5" name="日期占位符 4">
             <a:extLst>
               <a:ext uri="{FF2B5EF4-FFF2-40B4-BE49-F238E27FC236}">
-                <a16:creationId xmlns:a16="http://schemas.microsoft.com/office/drawing/2014/main" xmlns="" id="{F0298B21-E90D-409D-9F0D-22E37222518C}"/>
+                <a16:creationId xmlns="" xmlns:a16="http://schemas.microsoft.com/office/drawing/2014/main" id="{F0298B21-E90D-409D-9F0D-22E37222518C}"/>
               </a:ext>
             </a:extLst>
           </p:cNvPr>
@@ -2412,7 +2398,7 @@
           <a:p>
             <a:fld id="{962F646F-5174-4310-B0B3-095E309EDB66}" type="datetimeFigureOut">
               <a:rPr lang="zh-CN" altLang="en-US" smtClean="0"/>
-              <a:t>2020/9/3</a:t>
+              <a:t>2020/12/28</a:t>
             </a:fld>
             <a:endParaRPr lang="zh-CN" altLang="en-US"/>
           </a:p>
@@ -2423,7 +2409,7 @@
           <p:cNvPr id="6" name="页脚占位符 5">
             <a:extLst>
               <a:ext uri="{FF2B5EF4-FFF2-40B4-BE49-F238E27FC236}">
-                <a16:creationId xmlns:a16="http://schemas.microsoft.com/office/drawing/2014/main" xmlns="" id="{15BA799F-3288-427F-8B45-AABF85F64325}"/>
+                <a16:creationId xmlns="" xmlns:a16="http://schemas.microsoft.com/office/drawing/2014/main" id="{15BA799F-3288-427F-8B45-AABF85F64325}"/>
               </a:ext>
             </a:extLst>
           </p:cNvPr>
@@ -2448,7 +2434,7 @@
           <p:cNvPr id="7" name="灯片编号占位符 6">
             <a:extLst>
               <a:ext uri="{FF2B5EF4-FFF2-40B4-BE49-F238E27FC236}">
-                <a16:creationId xmlns:a16="http://schemas.microsoft.com/office/drawing/2014/main" xmlns="" id="{6916BEFC-28A1-4FF2-BCED-871264A849F6}"/>
+                <a16:creationId xmlns="" xmlns:a16="http://schemas.microsoft.com/office/drawing/2014/main" id="{6916BEFC-28A1-4FF2-BCED-871264A849F6}"/>
               </a:ext>
             </a:extLst>
           </p:cNvPr>
@@ -2507,7 +2493,7 @@
           <p:cNvPr id="2" name="标题 1">
             <a:extLst>
               <a:ext uri="{FF2B5EF4-FFF2-40B4-BE49-F238E27FC236}">
-                <a16:creationId xmlns:a16="http://schemas.microsoft.com/office/drawing/2014/main" xmlns="" id="{8E4D0D40-75B3-441D-AAD9-C2769881A676}"/>
+                <a16:creationId xmlns="" xmlns:a16="http://schemas.microsoft.com/office/drawing/2014/main" id="{8E4D0D40-75B3-441D-AAD9-C2769881A676}"/>
               </a:ext>
             </a:extLst>
           </p:cNvPr>
@@ -2544,7 +2530,7 @@
           <p:cNvPr id="3" name="图片占位符 2">
             <a:extLst>
               <a:ext uri="{FF2B5EF4-FFF2-40B4-BE49-F238E27FC236}">
-                <a16:creationId xmlns:a16="http://schemas.microsoft.com/office/drawing/2014/main" xmlns="" id="{91D8D885-CE5E-42AE-88E3-90CE70DB40EF}"/>
+                <a16:creationId xmlns="" xmlns:a16="http://schemas.microsoft.com/office/drawing/2014/main" id="{91D8D885-CE5E-42AE-88E3-90CE70DB40EF}"/>
               </a:ext>
             </a:extLst>
           </p:cNvPr>
@@ -2611,7 +2597,7 @@
           <p:cNvPr id="4" name="文本占位符 3">
             <a:extLst>
               <a:ext uri="{FF2B5EF4-FFF2-40B4-BE49-F238E27FC236}">
-                <a16:creationId xmlns:a16="http://schemas.microsoft.com/office/drawing/2014/main" xmlns="" id="{10EBDD17-B6B1-4232-A2A0-4823A3E922AC}"/>
+                <a16:creationId xmlns="" xmlns:a16="http://schemas.microsoft.com/office/drawing/2014/main" id="{10EBDD17-B6B1-4232-A2A0-4823A3E922AC}"/>
               </a:ext>
             </a:extLst>
           </p:cNvPr>
@@ -2682,7 +2668,7 @@
           <p:cNvPr id="5" name="日期占位符 4">
             <a:extLst>
               <a:ext uri="{FF2B5EF4-FFF2-40B4-BE49-F238E27FC236}">
-                <a16:creationId xmlns:a16="http://schemas.microsoft.com/office/drawing/2014/main" xmlns="" id="{3854504F-CA03-4038-8C88-708DE2BA039D}"/>
+                <a16:creationId xmlns="" xmlns:a16="http://schemas.microsoft.com/office/drawing/2014/main" id="{3854504F-CA03-4038-8C88-708DE2BA039D}"/>
               </a:ext>
             </a:extLst>
           </p:cNvPr>
@@ -2700,7 +2686,7 @@
           <a:p>
             <a:fld id="{962F646F-5174-4310-B0B3-095E309EDB66}" type="datetimeFigureOut">
               <a:rPr lang="zh-CN" altLang="en-US" smtClean="0"/>
-              <a:t>2020/9/3</a:t>
+              <a:t>2020/12/28</a:t>
             </a:fld>
             <a:endParaRPr lang="zh-CN" altLang="en-US"/>
           </a:p>
@@ -2711,7 +2697,7 @@
           <p:cNvPr id="6" name="页脚占位符 5">
             <a:extLst>
               <a:ext uri="{FF2B5EF4-FFF2-40B4-BE49-F238E27FC236}">
-                <a16:creationId xmlns:a16="http://schemas.microsoft.com/office/drawing/2014/main" xmlns="" id="{27C3124A-82E3-44F8-B965-9F1A2EDA269D}"/>
+                <a16:creationId xmlns="" xmlns:a16="http://schemas.microsoft.com/office/drawing/2014/main" id="{27C3124A-82E3-44F8-B965-9F1A2EDA269D}"/>
               </a:ext>
             </a:extLst>
           </p:cNvPr>
@@ -2736,7 +2722,7 @@
           <p:cNvPr id="7" name="灯片编号占位符 6">
             <a:extLst>
               <a:ext uri="{FF2B5EF4-FFF2-40B4-BE49-F238E27FC236}">
-                <a16:creationId xmlns:a16="http://schemas.microsoft.com/office/drawing/2014/main" xmlns="" id="{EA972099-8A7B-45F5-A3CC-222EDCB6DAC4}"/>
+                <a16:creationId xmlns="" xmlns:a16="http://schemas.microsoft.com/office/drawing/2014/main" id="{EA972099-8A7B-45F5-A3CC-222EDCB6DAC4}"/>
               </a:ext>
             </a:extLst>
           </p:cNvPr>
@@ -2800,7 +2786,7 @@
           <p:cNvPr id="2" name="标题占位符 1">
             <a:extLst>
               <a:ext uri="{FF2B5EF4-FFF2-40B4-BE49-F238E27FC236}">
-                <a16:creationId xmlns:a16="http://schemas.microsoft.com/office/drawing/2014/main" xmlns="" id="{D983590D-0F03-4784-A268-6A0A89EF1ADB}"/>
+                <a16:creationId xmlns="" xmlns:a16="http://schemas.microsoft.com/office/drawing/2014/main" id="{D983590D-0F03-4784-A268-6A0A89EF1ADB}"/>
               </a:ext>
             </a:extLst>
           </p:cNvPr>
@@ -2838,7 +2824,7 @@
           <p:cNvPr id="3" name="文本占位符 2">
             <a:extLst>
               <a:ext uri="{FF2B5EF4-FFF2-40B4-BE49-F238E27FC236}">
-                <a16:creationId xmlns:a16="http://schemas.microsoft.com/office/drawing/2014/main" xmlns="" id="{1B1CF0E5-F136-4471-A1A7-7ED383AD1B18}"/>
+                <a16:creationId xmlns="" xmlns:a16="http://schemas.microsoft.com/office/drawing/2014/main" id="{1B1CF0E5-F136-4471-A1A7-7ED383AD1B18}"/>
               </a:ext>
             </a:extLst>
           </p:cNvPr>
@@ -2905,7 +2891,7 @@
           <p:cNvPr id="4" name="日期占位符 3">
             <a:extLst>
               <a:ext uri="{FF2B5EF4-FFF2-40B4-BE49-F238E27FC236}">
-                <a16:creationId xmlns:a16="http://schemas.microsoft.com/office/drawing/2014/main" xmlns="" id="{A1B25EE8-FE31-4F55-ACEC-E3BF2450097A}"/>
+                <a16:creationId xmlns="" xmlns:a16="http://schemas.microsoft.com/office/drawing/2014/main" id="{A1B25EE8-FE31-4F55-ACEC-E3BF2450097A}"/>
               </a:ext>
             </a:extLst>
           </p:cNvPr>
@@ -2941,7 +2927,7 @@
           <a:p>
             <a:fld id="{962F646F-5174-4310-B0B3-095E309EDB66}" type="datetimeFigureOut">
               <a:rPr lang="zh-CN" altLang="en-US" smtClean="0"/>
-              <a:t>2020/9/3</a:t>
+              <a:t>2020/12/28</a:t>
             </a:fld>
             <a:endParaRPr lang="zh-CN" altLang="en-US"/>
           </a:p>
@@ -2952,7 +2938,7 @@
           <p:cNvPr id="5" name="页脚占位符 4">
             <a:extLst>
               <a:ext uri="{FF2B5EF4-FFF2-40B4-BE49-F238E27FC236}">
-                <a16:creationId xmlns:a16="http://schemas.microsoft.com/office/drawing/2014/main" xmlns="" id="{FF0044BC-E9F1-4312-9BD2-0696CEF710A1}"/>
+                <a16:creationId xmlns="" xmlns:a16="http://schemas.microsoft.com/office/drawing/2014/main" id="{FF0044BC-E9F1-4312-9BD2-0696CEF710A1}"/>
               </a:ext>
             </a:extLst>
           </p:cNvPr>
@@ -2995,7 +2981,7 @@
           <p:cNvPr id="6" name="灯片编号占位符 5">
             <a:extLst>
               <a:ext uri="{FF2B5EF4-FFF2-40B4-BE49-F238E27FC236}">
-                <a16:creationId xmlns:a16="http://schemas.microsoft.com/office/drawing/2014/main" xmlns="" id="{D46A62E2-6E05-4FF6-81C2-9A7B83019B0E}"/>
+                <a16:creationId xmlns="" xmlns:a16="http://schemas.microsoft.com/office/drawing/2014/main" id="{D46A62E2-6E05-4FF6-81C2-9A7B83019B0E}"/>
               </a:ext>
             </a:extLst>
           </p:cNvPr>
@@ -3363,7 +3349,7 @@
           <p:cNvPr id="4" name="矩形 3">
             <a:extLst>
               <a:ext uri="{FF2B5EF4-FFF2-40B4-BE49-F238E27FC236}">
-                <a16:creationId xmlns:a16="http://schemas.microsoft.com/office/drawing/2014/main" xmlns="" id="{7C59F971-A75E-466B-B078-4D497A0306D5}"/>
+                <a16:creationId xmlns="" xmlns:a16="http://schemas.microsoft.com/office/drawing/2014/main" id="{7C59F971-A75E-466B-B078-4D497A0306D5}"/>
               </a:ext>
             </a:extLst>
           </p:cNvPr>
@@ -3417,7 +3403,7 @@
           <p:cNvPr id="6" name="直接连接符 5">
             <a:extLst>
               <a:ext uri="{FF2B5EF4-FFF2-40B4-BE49-F238E27FC236}">
-                <a16:creationId xmlns:a16="http://schemas.microsoft.com/office/drawing/2014/main" xmlns="" id="{B6C63E3D-FF7D-4F47-A6D5-897D2F5B2B16}"/>
+                <a16:creationId xmlns="" xmlns:a16="http://schemas.microsoft.com/office/drawing/2014/main" id="{B6C63E3D-FF7D-4F47-A6D5-897D2F5B2B16}"/>
               </a:ext>
             </a:extLst>
           </p:cNvPr>
@@ -3454,7 +3440,7 @@
           <p:cNvPr id="8" name="直接连接符 7">
             <a:extLst>
               <a:ext uri="{FF2B5EF4-FFF2-40B4-BE49-F238E27FC236}">
-                <a16:creationId xmlns:a16="http://schemas.microsoft.com/office/drawing/2014/main" xmlns="" id="{8486A2E2-F387-46CE-A63A-F73D3071A312}"/>
+                <a16:creationId xmlns="" xmlns:a16="http://schemas.microsoft.com/office/drawing/2014/main" id="{8486A2E2-F387-46CE-A63A-F73D3071A312}"/>
               </a:ext>
             </a:extLst>
           </p:cNvPr>
@@ -3491,7 +3477,7 @@
           <p:cNvPr id="10" name="直接连接符 9">
             <a:extLst>
               <a:ext uri="{FF2B5EF4-FFF2-40B4-BE49-F238E27FC236}">
-                <a16:creationId xmlns:a16="http://schemas.microsoft.com/office/drawing/2014/main" xmlns="" id="{BE6B91E6-4939-4F49-BA2A-03B87B1690C3}"/>
+                <a16:creationId xmlns="" xmlns:a16="http://schemas.microsoft.com/office/drawing/2014/main" id="{BE6B91E6-4939-4F49-BA2A-03B87B1690C3}"/>
               </a:ext>
             </a:extLst>
           </p:cNvPr>
@@ -3527,7 +3513,7 @@
           <p:cNvPr id="12" name="直接连接符 11">
             <a:extLst>
               <a:ext uri="{FF2B5EF4-FFF2-40B4-BE49-F238E27FC236}">
-                <a16:creationId xmlns:a16="http://schemas.microsoft.com/office/drawing/2014/main" xmlns="" id="{2E6B5E5F-2575-4975-AC97-6B58D8F2D270}"/>
+                <a16:creationId xmlns="" xmlns:a16="http://schemas.microsoft.com/office/drawing/2014/main" id="{2E6B5E5F-2575-4975-AC97-6B58D8F2D270}"/>
               </a:ext>
             </a:extLst>
           </p:cNvPr>
@@ -3563,7 +3549,7 @@
           <p:cNvPr id="13" name="文本框 12">
             <a:extLst>
               <a:ext uri="{FF2B5EF4-FFF2-40B4-BE49-F238E27FC236}">
-                <a16:creationId xmlns:a16="http://schemas.microsoft.com/office/drawing/2014/main" xmlns="" id="{277991F2-952E-4D12-9F3E-24EC0E8F1399}"/>
+                <a16:creationId xmlns="" xmlns:a16="http://schemas.microsoft.com/office/drawing/2014/main" id="{277991F2-952E-4D12-9F3E-24EC0E8F1399}"/>
               </a:ext>
             </a:extLst>
           </p:cNvPr>
@@ -3602,7 +3588,7 @@
           <p:cNvPr id="15" name="文本框 14">
             <a:extLst>
               <a:ext uri="{FF2B5EF4-FFF2-40B4-BE49-F238E27FC236}">
-                <a16:creationId xmlns:a16="http://schemas.microsoft.com/office/drawing/2014/main" xmlns="" id="{8397EFDC-FDA6-4152-9895-F5943925AF4C}"/>
+                <a16:creationId xmlns="" xmlns:a16="http://schemas.microsoft.com/office/drawing/2014/main" id="{8397EFDC-FDA6-4152-9895-F5943925AF4C}"/>
               </a:ext>
             </a:extLst>
           </p:cNvPr>
@@ -3637,7 +3623,7 @@
           <p:cNvPr id="17" name="文本框 16">
             <a:extLst>
               <a:ext uri="{FF2B5EF4-FFF2-40B4-BE49-F238E27FC236}">
-                <a16:creationId xmlns:a16="http://schemas.microsoft.com/office/drawing/2014/main" xmlns="" id="{F98714D8-1682-44A2-9A58-51E942308A9B}"/>
+                <a16:creationId xmlns="" xmlns:a16="http://schemas.microsoft.com/office/drawing/2014/main" id="{F98714D8-1682-44A2-9A58-51E942308A9B}"/>
               </a:ext>
             </a:extLst>
           </p:cNvPr>
@@ -3672,7 +3658,7 @@
           <p:cNvPr id="19" name="直接连接符 18">
             <a:extLst>
               <a:ext uri="{FF2B5EF4-FFF2-40B4-BE49-F238E27FC236}">
-                <a16:creationId xmlns:a16="http://schemas.microsoft.com/office/drawing/2014/main" xmlns="" id="{EC5DFE42-3498-447A-B714-E2EB9216F4D1}"/>
+                <a16:creationId xmlns="" xmlns:a16="http://schemas.microsoft.com/office/drawing/2014/main" id="{EC5DFE42-3498-447A-B714-E2EB9216F4D1}"/>
               </a:ext>
             </a:extLst>
           </p:cNvPr>
@@ -3708,7 +3694,7 @@
           <p:cNvPr id="21" name="文本框 20">
             <a:extLst>
               <a:ext uri="{FF2B5EF4-FFF2-40B4-BE49-F238E27FC236}">
-                <a16:creationId xmlns:a16="http://schemas.microsoft.com/office/drawing/2014/main" xmlns="" id="{5A7593B4-1A8F-4664-8ED3-6A128BBF7760}"/>
+                <a16:creationId xmlns="" xmlns:a16="http://schemas.microsoft.com/office/drawing/2014/main" id="{5A7593B4-1A8F-4664-8ED3-6A128BBF7760}"/>
               </a:ext>
             </a:extLst>
           </p:cNvPr>
@@ -3743,7 +3729,7 @@
           <p:cNvPr id="23" name="直接连接符 22">
             <a:extLst>
               <a:ext uri="{FF2B5EF4-FFF2-40B4-BE49-F238E27FC236}">
-                <a16:creationId xmlns:a16="http://schemas.microsoft.com/office/drawing/2014/main" xmlns="" id="{415F7A5B-15B4-40C0-9524-51A6473FE2BC}"/>
+                <a16:creationId xmlns="" xmlns:a16="http://schemas.microsoft.com/office/drawing/2014/main" id="{415F7A5B-15B4-40C0-9524-51A6473FE2BC}"/>
               </a:ext>
             </a:extLst>
           </p:cNvPr>
@@ -3781,7 +3767,7 @@
           <p:cNvPr id="26" name="文本框 25">
             <a:extLst>
               <a:ext uri="{FF2B5EF4-FFF2-40B4-BE49-F238E27FC236}">
-                <a16:creationId xmlns:a16="http://schemas.microsoft.com/office/drawing/2014/main" xmlns="" id="{8199227A-4442-494F-9BFD-D8632734BCF5}"/>
+                <a16:creationId xmlns="" xmlns:a16="http://schemas.microsoft.com/office/drawing/2014/main" id="{8199227A-4442-494F-9BFD-D8632734BCF5}"/>
               </a:ext>
             </a:extLst>
           </p:cNvPr>
@@ -3816,7 +3802,7 @@
           <p:cNvPr id="28" name="直接连接符 27">
             <a:extLst>
               <a:ext uri="{FF2B5EF4-FFF2-40B4-BE49-F238E27FC236}">
-                <a16:creationId xmlns:a16="http://schemas.microsoft.com/office/drawing/2014/main" xmlns="" id="{E04D8FB5-78B8-4150-8BF6-8078B29F0915}"/>
+                <a16:creationId xmlns="" xmlns:a16="http://schemas.microsoft.com/office/drawing/2014/main" id="{E04D8FB5-78B8-4150-8BF6-8078B29F0915}"/>
               </a:ext>
             </a:extLst>
           </p:cNvPr>
@@ -3852,7 +3838,7 @@
           <p:cNvPr id="30" name="文本框 29">
             <a:extLst>
               <a:ext uri="{FF2B5EF4-FFF2-40B4-BE49-F238E27FC236}">
-                <a16:creationId xmlns:a16="http://schemas.microsoft.com/office/drawing/2014/main" xmlns="" id="{5E1D2323-E17D-404B-8E96-7D83C0B80477}"/>
+                <a16:creationId xmlns="" xmlns:a16="http://schemas.microsoft.com/office/drawing/2014/main" id="{5E1D2323-E17D-404B-8E96-7D83C0B80477}"/>
               </a:ext>
             </a:extLst>
           </p:cNvPr>
@@ -3887,7 +3873,7 @@
           <p:cNvPr id="32" name="直接连接符 31">
             <a:extLst>
               <a:ext uri="{FF2B5EF4-FFF2-40B4-BE49-F238E27FC236}">
-                <a16:creationId xmlns:a16="http://schemas.microsoft.com/office/drawing/2014/main" xmlns="" id="{8013E9B9-8FD6-48E0-B6ED-C10972A21A73}"/>
+                <a16:creationId xmlns="" xmlns:a16="http://schemas.microsoft.com/office/drawing/2014/main" id="{8013E9B9-8FD6-48E0-B6ED-C10972A21A73}"/>
               </a:ext>
             </a:extLst>
           </p:cNvPr>
@@ -3923,7 +3909,7 @@
           <p:cNvPr id="34" name="文本框 33">
             <a:extLst>
               <a:ext uri="{FF2B5EF4-FFF2-40B4-BE49-F238E27FC236}">
-                <a16:creationId xmlns:a16="http://schemas.microsoft.com/office/drawing/2014/main" xmlns="" id="{0D8DC410-1092-4854-AFD1-24170328B516}"/>
+                <a16:creationId xmlns="" xmlns:a16="http://schemas.microsoft.com/office/drawing/2014/main" id="{0D8DC410-1092-4854-AFD1-24170328B516}"/>
               </a:ext>
             </a:extLst>
           </p:cNvPr>
@@ -3958,7 +3944,7 @@
           <p:cNvPr id="35" name="对话气泡: 矩形 34">
             <a:extLst>
               <a:ext uri="{FF2B5EF4-FFF2-40B4-BE49-F238E27FC236}">
-                <a16:creationId xmlns:a16="http://schemas.microsoft.com/office/drawing/2014/main" xmlns="" id="{F1680E96-9A36-4886-B28E-AC7CB5E7F51D}"/>
+                <a16:creationId xmlns="" xmlns:a16="http://schemas.microsoft.com/office/drawing/2014/main" id="{F1680E96-9A36-4886-B28E-AC7CB5E7F51D}"/>
               </a:ext>
             </a:extLst>
           </p:cNvPr>
@@ -4010,7 +3996,7 @@
           <p:cNvPr id="36" name="矩形 35">
             <a:extLst>
               <a:ext uri="{FF2B5EF4-FFF2-40B4-BE49-F238E27FC236}">
-                <a16:creationId xmlns:a16="http://schemas.microsoft.com/office/drawing/2014/main" xmlns="" id="{FA6307E0-0A29-41D5-A26D-2F3FC151B915}"/>
+                <a16:creationId xmlns="" xmlns:a16="http://schemas.microsoft.com/office/drawing/2014/main" id="{FA6307E0-0A29-41D5-A26D-2F3FC151B915}"/>
               </a:ext>
             </a:extLst>
           </p:cNvPr>
@@ -4080,7 +4066,7 @@
           <p:cNvPr id="38" name="矩形 37">
             <a:extLst>
               <a:ext uri="{FF2B5EF4-FFF2-40B4-BE49-F238E27FC236}">
-                <a16:creationId xmlns:a16="http://schemas.microsoft.com/office/drawing/2014/main" xmlns="" id="{97693187-2D1C-46BE-A3A9-F0A64B16F7BE}"/>
+                <a16:creationId xmlns="" xmlns:a16="http://schemas.microsoft.com/office/drawing/2014/main" id="{97693187-2D1C-46BE-A3A9-F0A64B16F7BE}"/>
               </a:ext>
             </a:extLst>
           </p:cNvPr>
@@ -4154,7 +4140,7 @@
           <p:cNvPr id="39" name="矩形 38">
             <a:extLst>
               <a:ext uri="{FF2B5EF4-FFF2-40B4-BE49-F238E27FC236}">
-                <a16:creationId xmlns:a16="http://schemas.microsoft.com/office/drawing/2014/main" xmlns="" id="{EB4417BB-9222-4C75-8BA4-5DC5EC37C5D9}"/>
+                <a16:creationId xmlns="" xmlns:a16="http://schemas.microsoft.com/office/drawing/2014/main" id="{EB4417BB-9222-4C75-8BA4-5DC5EC37C5D9}"/>
               </a:ext>
             </a:extLst>
           </p:cNvPr>
@@ -4378,7 +4364,7 @@
           <p:cNvPr id="40" name="表格 40">
             <a:extLst>
               <a:ext uri="{FF2B5EF4-FFF2-40B4-BE49-F238E27FC236}">
-                <a16:creationId xmlns:a16="http://schemas.microsoft.com/office/drawing/2014/main" xmlns="" id="{0A674F2A-D9C2-41E4-B1BA-519EDBB29B2C}"/>
+                <a16:creationId xmlns="" xmlns:a16="http://schemas.microsoft.com/office/drawing/2014/main" id="{0A674F2A-D9C2-41E4-B1BA-519EDBB29B2C}"/>
               </a:ext>
             </a:extLst>
           </p:cNvPr>
@@ -4407,14 +4393,14 @@
                 <a:gridCol w="1858252">
                   <a:extLst>
                     <a:ext uri="{9D8B030D-6E8A-4147-A177-3AD203B41FA5}">
-                      <a16:colId xmlns:a16="http://schemas.microsoft.com/office/drawing/2014/main" xmlns="" val="2566913675"/>
+                      <a16:colId xmlns="" xmlns:a16="http://schemas.microsoft.com/office/drawing/2014/main" val="2566913675"/>
                     </a:ext>
                   </a:extLst>
                 </a:gridCol>
                 <a:gridCol w="1858252">
                   <a:extLst>
                     <a:ext uri="{9D8B030D-6E8A-4147-A177-3AD203B41FA5}">
-                      <a16:colId xmlns:a16="http://schemas.microsoft.com/office/drawing/2014/main" xmlns="" val="1653991245"/>
+                      <a16:colId xmlns="" xmlns:a16="http://schemas.microsoft.com/office/drawing/2014/main" val="1653991245"/>
                     </a:ext>
                   </a:extLst>
                 </a:gridCol>
@@ -4451,7 +4437,7 @@
                 </a:tc>
                 <a:extLst>
                   <a:ext uri="{0D108BD9-81ED-4DB2-BD59-A6C34878D82A}">
-                    <a16:rowId xmlns:a16="http://schemas.microsoft.com/office/drawing/2014/main" xmlns="" val="2175242523"/>
+                    <a16:rowId xmlns="" xmlns:a16="http://schemas.microsoft.com/office/drawing/2014/main" val="2175242523"/>
                   </a:ext>
                 </a:extLst>
               </a:tr>
@@ -4482,7 +4468,7 @@
                 </a:tc>
                 <a:extLst>
                   <a:ext uri="{0D108BD9-81ED-4DB2-BD59-A6C34878D82A}">
-                    <a16:rowId xmlns:a16="http://schemas.microsoft.com/office/drawing/2014/main" xmlns="" val="3239676992"/>
+                    <a16:rowId xmlns="" xmlns:a16="http://schemas.microsoft.com/office/drawing/2014/main" val="3239676992"/>
                   </a:ext>
                 </a:extLst>
               </a:tr>
@@ -4509,7 +4495,7 @@
                 </a:tc>
                 <a:extLst>
                   <a:ext uri="{0D108BD9-81ED-4DB2-BD59-A6C34878D82A}">
-                    <a16:rowId xmlns:a16="http://schemas.microsoft.com/office/drawing/2014/main" xmlns="" val="2678508555"/>
+                    <a16:rowId xmlns="" xmlns:a16="http://schemas.microsoft.com/office/drawing/2014/main" val="2678508555"/>
                   </a:ext>
                 </a:extLst>
               </a:tr>
@@ -4536,7 +4522,7 @@
                 </a:tc>
                 <a:extLst>
                   <a:ext uri="{0D108BD9-81ED-4DB2-BD59-A6C34878D82A}">
-                    <a16:rowId xmlns:a16="http://schemas.microsoft.com/office/drawing/2014/main" xmlns="" val="3738223324"/>
+                    <a16:rowId xmlns="" xmlns:a16="http://schemas.microsoft.com/office/drawing/2014/main" val="3738223324"/>
                   </a:ext>
                 </a:extLst>
               </a:tr>
@@ -4579,7 +4565,7 @@
           <p:cNvPr id="4" name="矩形 3">
             <a:extLst>
               <a:ext uri="{FF2B5EF4-FFF2-40B4-BE49-F238E27FC236}">
-                <a16:creationId xmlns:a16="http://schemas.microsoft.com/office/drawing/2014/main" xmlns="" id="{7C59F971-A75E-466B-B078-4D497A0306D5}"/>
+                <a16:creationId xmlns="" xmlns:a16="http://schemas.microsoft.com/office/drawing/2014/main" id="{7C59F971-A75E-466B-B078-4D497A0306D5}"/>
               </a:ext>
             </a:extLst>
           </p:cNvPr>
@@ -4633,7 +4619,7 @@
           <p:cNvPr id="6" name="直接连接符 5">
             <a:extLst>
               <a:ext uri="{FF2B5EF4-FFF2-40B4-BE49-F238E27FC236}">
-                <a16:creationId xmlns:a16="http://schemas.microsoft.com/office/drawing/2014/main" xmlns="" id="{B6C63E3D-FF7D-4F47-A6D5-897D2F5B2B16}"/>
+                <a16:creationId xmlns="" xmlns:a16="http://schemas.microsoft.com/office/drawing/2014/main" id="{B6C63E3D-FF7D-4F47-A6D5-897D2F5B2B16}"/>
               </a:ext>
             </a:extLst>
           </p:cNvPr>
@@ -4670,7 +4656,7 @@
           <p:cNvPr id="8" name="直接连接符 7">
             <a:extLst>
               <a:ext uri="{FF2B5EF4-FFF2-40B4-BE49-F238E27FC236}">
-                <a16:creationId xmlns:a16="http://schemas.microsoft.com/office/drawing/2014/main" xmlns="" id="{8486A2E2-F387-46CE-A63A-F73D3071A312}"/>
+                <a16:creationId xmlns="" xmlns:a16="http://schemas.microsoft.com/office/drawing/2014/main" id="{8486A2E2-F387-46CE-A63A-F73D3071A312}"/>
               </a:ext>
             </a:extLst>
           </p:cNvPr>
@@ -4707,7 +4693,7 @@
           <p:cNvPr id="10" name="直接连接符 9">
             <a:extLst>
               <a:ext uri="{FF2B5EF4-FFF2-40B4-BE49-F238E27FC236}">
-                <a16:creationId xmlns:a16="http://schemas.microsoft.com/office/drawing/2014/main" xmlns="" id="{BE6B91E6-4939-4F49-BA2A-03B87B1690C3}"/>
+                <a16:creationId xmlns="" xmlns:a16="http://schemas.microsoft.com/office/drawing/2014/main" id="{BE6B91E6-4939-4F49-BA2A-03B87B1690C3}"/>
               </a:ext>
             </a:extLst>
           </p:cNvPr>
@@ -4743,7 +4729,7 @@
           <p:cNvPr id="12" name="直接连接符 11">
             <a:extLst>
               <a:ext uri="{FF2B5EF4-FFF2-40B4-BE49-F238E27FC236}">
-                <a16:creationId xmlns:a16="http://schemas.microsoft.com/office/drawing/2014/main" xmlns="" id="{2E6B5E5F-2575-4975-AC97-6B58D8F2D270}"/>
+                <a16:creationId xmlns="" xmlns:a16="http://schemas.microsoft.com/office/drawing/2014/main" id="{2E6B5E5F-2575-4975-AC97-6B58D8F2D270}"/>
               </a:ext>
             </a:extLst>
           </p:cNvPr>
@@ -4779,7 +4765,7 @@
           <p:cNvPr id="13" name="文本框 12">
             <a:extLst>
               <a:ext uri="{FF2B5EF4-FFF2-40B4-BE49-F238E27FC236}">
-                <a16:creationId xmlns:a16="http://schemas.microsoft.com/office/drawing/2014/main" xmlns="" id="{277991F2-952E-4D12-9F3E-24EC0E8F1399}"/>
+                <a16:creationId xmlns="" xmlns:a16="http://schemas.microsoft.com/office/drawing/2014/main" id="{277991F2-952E-4D12-9F3E-24EC0E8F1399}"/>
               </a:ext>
             </a:extLst>
           </p:cNvPr>
@@ -4814,7 +4800,7 @@
           <p:cNvPr id="15" name="文本框 14">
             <a:extLst>
               <a:ext uri="{FF2B5EF4-FFF2-40B4-BE49-F238E27FC236}">
-                <a16:creationId xmlns:a16="http://schemas.microsoft.com/office/drawing/2014/main" xmlns="" id="{8397EFDC-FDA6-4152-9895-F5943925AF4C}"/>
+                <a16:creationId xmlns="" xmlns:a16="http://schemas.microsoft.com/office/drawing/2014/main" id="{8397EFDC-FDA6-4152-9895-F5943925AF4C}"/>
               </a:ext>
             </a:extLst>
           </p:cNvPr>
@@ -4853,7 +4839,7 @@
           <p:cNvPr id="17" name="文本框 16">
             <a:extLst>
               <a:ext uri="{FF2B5EF4-FFF2-40B4-BE49-F238E27FC236}">
-                <a16:creationId xmlns:a16="http://schemas.microsoft.com/office/drawing/2014/main" xmlns="" id="{F98714D8-1682-44A2-9A58-51E942308A9B}"/>
+                <a16:creationId xmlns="" xmlns:a16="http://schemas.microsoft.com/office/drawing/2014/main" id="{F98714D8-1682-44A2-9A58-51E942308A9B}"/>
               </a:ext>
             </a:extLst>
           </p:cNvPr>
@@ -4888,7 +4874,7 @@
           <p:cNvPr id="19" name="直接连接符 18">
             <a:extLst>
               <a:ext uri="{FF2B5EF4-FFF2-40B4-BE49-F238E27FC236}">
-                <a16:creationId xmlns:a16="http://schemas.microsoft.com/office/drawing/2014/main" xmlns="" id="{EC5DFE42-3498-447A-B714-E2EB9216F4D1}"/>
+                <a16:creationId xmlns="" xmlns:a16="http://schemas.microsoft.com/office/drawing/2014/main" id="{EC5DFE42-3498-447A-B714-E2EB9216F4D1}"/>
               </a:ext>
             </a:extLst>
           </p:cNvPr>
@@ -4924,7 +4910,7 @@
           <p:cNvPr id="21" name="文本框 20">
             <a:extLst>
               <a:ext uri="{FF2B5EF4-FFF2-40B4-BE49-F238E27FC236}">
-                <a16:creationId xmlns:a16="http://schemas.microsoft.com/office/drawing/2014/main" xmlns="" id="{5A7593B4-1A8F-4664-8ED3-6A128BBF7760}"/>
+                <a16:creationId xmlns="" xmlns:a16="http://schemas.microsoft.com/office/drawing/2014/main" id="{5A7593B4-1A8F-4664-8ED3-6A128BBF7760}"/>
               </a:ext>
             </a:extLst>
           </p:cNvPr>
@@ -4959,7 +4945,7 @@
           <p:cNvPr id="23" name="直接连接符 22">
             <a:extLst>
               <a:ext uri="{FF2B5EF4-FFF2-40B4-BE49-F238E27FC236}">
-                <a16:creationId xmlns:a16="http://schemas.microsoft.com/office/drawing/2014/main" xmlns="" id="{415F7A5B-15B4-40C0-9524-51A6473FE2BC}"/>
+                <a16:creationId xmlns="" xmlns:a16="http://schemas.microsoft.com/office/drawing/2014/main" id="{415F7A5B-15B4-40C0-9524-51A6473FE2BC}"/>
               </a:ext>
             </a:extLst>
           </p:cNvPr>
@@ -4997,7 +4983,7 @@
           <p:cNvPr id="26" name="文本框 25">
             <a:extLst>
               <a:ext uri="{FF2B5EF4-FFF2-40B4-BE49-F238E27FC236}">
-                <a16:creationId xmlns:a16="http://schemas.microsoft.com/office/drawing/2014/main" xmlns="" id="{8199227A-4442-494F-9BFD-D8632734BCF5}"/>
+                <a16:creationId xmlns="" xmlns:a16="http://schemas.microsoft.com/office/drawing/2014/main" id="{8199227A-4442-494F-9BFD-D8632734BCF5}"/>
               </a:ext>
             </a:extLst>
           </p:cNvPr>
@@ -5032,7 +5018,7 @@
           <p:cNvPr id="28" name="直接连接符 27">
             <a:extLst>
               <a:ext uri="{FF2B5EF4-FFF2-40B4-BE49-F238E27FC236}">
-                <a16:creationId xmlns:a16="http://schemas.microsoft.com/office/drawing/2014/main" xmlns="" id="{E04D8FB5-78B8-4150-8BF6-8078B29F0915}"/>
+                <a16:creationId xmlns="" xmlns:a16="http://schemas.microsoft.com/office/drawing/2014/main" id="{E04D8FB5-78B8-4150-8BF6-8078B29F0915}"/>
               </a:ext>
             </a:extLst>
           </p:cNvPr>
@@ -5068,7 +5054,7 @@
           <p:cNvPr id="30" name="文本框 29">
             <a:extLst>
               <a:ext uri="{FF2B5EF4-FFF2-40B4-BE49-F238E27FC236}">
-                <a16:creationId xmlns:a16="http://schemas.microsoft.com/office/drawing/2014/main" xmlns="" id="{5E1D2323-E17D-404B-8E96-7D83C0B80477}"/>
+                <a16:creationId xmlns="" xmlns:a16="http://schemas.microsoft.com/office/drawing/2014/main" id="{5E1D2323-E17D-404B-8E96-7D83C0B80477}"/>
               </a:ext>
             </a:extLst>
           </p:cNvPr>
@@ -5103,7 +5089,7 @@
           <p:cNvPr id="32" name="直接连接符 31">
             <a:extLst>
               <a:ext uri="{FF2B5EF4-FFF2-40B4-BE49-F238E27FC236}">
-                <a16:creationId xmlns:a16="http://schemas.microsoft.com/office/drawing/2014/main" xmlns="" id="{8013E9B9-8FD6-48E0-B6ED-C10972A21A73}"/>
+                <a16:creationId xmlns="" xmlns:a16="http://schemas.microsoft.com/office/drawing/2014/main" id="{8013E9B9-8FD6-48E0-B6ED-C10972A21A73}"/>
               </a:ext>
             </a:extLst>
           </p:cNvPr>
@@ -5139,7 +5125,7 @@
           <p:cNvPr id="34" name="文本框 33">
             <a:extLst>
               <a:ext uri="{FF2B5EF4-FFF2-40B4-BE49-F238E27FC236}">
-                <a16:creationId xmlns:a16="http://schemas.microsoft.com/office/drawing/2014/main" xmlns="" id="{0D8DC410-1092-4854-AFD1-24170328B516}"/>
+                <a16:creationId xmlns="" xmlns:a16="http://schemas.microsoft.com/office/drawing/2014/main" id="{0D8DC410-1092-4854-AFD1-24170328B516}"/>
               </a:ext>
             </a:extLst>
           </p:cNvPr>
@@ -5174,7 +5160,7 @@
           <p:cNvPr id="2" name="表格 2">
             <a:extLst>
               <a:ext uri="{FF2B5EF4-FFF2-40B4-BE49-F238E27FC236}">
-                <a16:creationId xmlns:a16="http://schemas.microsoft.com/office/drawing/2014/main" xmlns="" id="{5630CA50-5D73-416E-BE6D-7B1A02DD918A}"/>
+                <a16:creationId xmlns="" xmlns:a16="http://schemas.microsoft.com/office/drawing/2014/main" id="{5630CA50-5D73-416E-BE6D-7B1A02DD918A}"/>
               </a:ext>
             </a:extLst>
           </p:cNvPr>
@@ -5203,21 +5189,21 @@
                 <a:gridCol w="1125708">
                   <a:extLst>
                     <a:ext uri="{9D8B030D-6E8A-4147-A177-3AD203B41FA5}">
-                      <a16:colId xmlns:a16="http://schemas.microsoft.com/office/drawing/2014/main" xmlns="" val="472782767"/>
+                      <a16:colId xmlns="" xmlns:a16="http://schemas.microsoft.com/office/drawing/2014/main" val="472782767"/>
                     </a:ext>
                   </a:extLst>
                 </a:gridCol>
                 <a:gridCol w="3051175">
                   <a:extLst>
                     <a:ext uri="{9D8B030D-6E8A-4147-A177-3AD203B41FA5}">
-                      <a16:colId xmlns:a16="http://schemas.microsoft.com/office/drawing/2014/main" xmlns="" val="3602942349"/>
+                      <a16:colId xmlns="" xmlns:a16="http://schemas.microsoft.com/office/drawing/2014/main" val="3602942349"/>
                     </a:ext>
                   </a:extLst>
                 </a:gridCol>
                 <a:gridCol w="3051175">
                   <a:extLst>
                     <a:ext uri="{9D8B030D-6E8A-4147-A177-3AD203B41FA5}">
-                      <a16:colId xmlns:a16="http://schemas.microsoft.com/office/drawing/2014/main" xmlns="" val="3165751020"/>
+                      <a16:colId xmlns="" xmlns:a16="http://schemas.microsoft.com/office/drawing/2014/main" val="3165751020"/>
                     </a:ext>
                   </a:extLst>
                 </a:gridCol>
@@ -5274,7 +5260,7 @@
                 </a:tc>
                 <a:extLst>
                   <a:ext uri="{0D108BD9-81ED-4DB2-BD59-A6C34878D82A}">
-                    <a16:rowId xmlns:a16="http://schemas.microsoft.com/office/drawing/2014/main" xmlns="" val="2990887284"/>
+                    <a16:rowId xmlns="" xmlns:a16="http://schemas.microsoft.com/office/drawing/2014/main" val="2990887284"/>
                   </a:ext>
                 </a:extLst>
               </a:tr>
@@ -5347,7 +5333,7 @@
                 </a:tc>
                 <a:extLst>
                   <a:ext uri="{0D108BD9-81ED-4DB2-BD59-A6C34878D82A}">
-                    <a16:rowId xmlns:a16="http://schemas.microsoft.com/office/drawing/2014/main" xmlns="" val="962344456"/>
+                    <a16:rowId xmlns="" xmlns:a16="http://schemas.microsoft.com/office/drawing/2014/main" val="962344456"/>
                   </a:ext>
                 </a:extLst>
               </a:tr>
@@ -5415,7 +5401,7 @@
                 </a:tc>
                 <a:extLst>
                   <a:ext uri="{0D108BD9-81ED-4DB2-BD59-A6C34878D82A}">
-                    <a16:rowId xmlns:a16="http://schemas.microsoft.com/office/drawing/2014/main" xmlns="" val="1387917407"/>
+                    <a16:rowId xmlns="" xmlns:a16="http://schemas.microsoft.com/office/drawing/2014/main" val="1387917407"/>
                   </a:ext>
                 </a:extLst>
               </a:tr>
@@ -5428,7 +5414,7 @@
           <p:cNvPr id="11" name="流程图: 手动操作 10">
             <a:extLst>
               <a:ext uri="{FF2B5EF4-FFF2-40B4-BE49-F238E27FC236}">
-                <a16:creationId xmlns:a16="http://schemas.microsoft.com/office/drawing/2014/main" xmlns="" id="{69EE63E9-FBC0-4AB3-8A26-13F2C2119B4F}"/>
+                <a16:creationId xmlns="" xmlns:a16="http://schemas.microsoft.com/office/drawing/2014/main" id="{69EE63E9-FBC0-4AB3-8A26-13F2C2119B4F}"/>
               </a:ext>
             </a:extLst>
           </p:cNvPr>
@@ -5474,7 +5460,7 @@
           <p:cNvPr id="16" name="直接连接符 15">
             <a:extLst>
               <a:ext uri="{FF2B5EF4-FFF2-40B4-BE49-F238E27FC236}">
-                <a16:creationId xmlns:a16="http://schemas.microsoft.com/office/drawing/2014/main" xmlns="" id="{EC116402-8224-45AD-A973-995AD16DA257}"/>
+                <a16:creationId xmlns="" xmlns:a16="http://schemas.microsoft.com/office/drawing/2014/main" id="{EC116402-8224-45AD-A973-995AD16DA257}"/>
               </a:ext>
             </a:extLst>
           </p:cNvPr>
@@ -5513,7 +5499,7 @@
           <p:cNvPr id="18" name="文本框 17">
             <a:extLst>
               <a:ext uri="{FF2B5EF4-FFF2-40B4-BE49-F238E27FC236}">
-                <a16:creationId xmlns:a16="http://schemas.microsoft.com/office/drawing/2014/main" xmlns="" id="{7939491B-2127-417D-BB0F-9F07580299F0}"/>
+                <a16:creationId xmlns="" xmlns:a16="http://schemas.microsoft.com/office/drawing/2014/main" id="{7939491B-2127-417D-BB0F-9F07580299F0}"/>
               </a:ext>
             </a:extLst>
           </p:cNvPr>
@@ -5549,7 +5535,7 @@
           <p:cNvPr id="20" name="文本框 19">
             <a:extLst>
               <a:ext uri="{FF2B5EF4-FFF2-40B4-BE49-F238E27FC236}">
-                <a16:creationId xmlns:a16="http://schemas.microsoft.com/office/drawing/2014/main" xmlns="" id="{1153F623-1BC6-493B-A89A-B3C443420E9F}"/>
+                <a16:creationId xmlns="" xmlns:a16="http://schemas.microsoft.com/office/drawing/2014/main" id="{1153F623-1BC6-493B-A89A-B3C443420E9F}"/>
               </a:ext>
             </a:extLst>
           </p:cNvPr>
@@ -5588,7 +5574,7 @@
           <p:cNvPr id="22" name="标注: 线形 21">
             <a:extLst>
               <a:ext uri="{FF2B5EF4-FFF2-40B4-BE49-F238E27FC236}">
-                <a16:creationId xmlns:a16="http://schemas.microsoft.com/office/drawing/2014/main" xmlns="" id="{064A6EEB-BE50-4293-BC66-157A53620B69}"/>
+                <a16:creationId xmlns="" xmlns:a16="http://schemas.microsoft.com/office/drawing/2014/main" id="{064A6EEB-BE50-4293-BC66-157A53620B69}"/>
               </a:ext>
             </a:extLst>
           </p:cNvPr>
@@ -5644,7 +5630,7 @@
           <p:cNvPr id="24" name="表格 2">
             <a:extLst>
               <a:ext uri="{FF2B5EF4-FFF2-40B4-BE49-F238E27FC236}">
-                <a16:creationId xmlns:a16="http://schemas.microsoft.com/office/drawing/2014/main" xmlns="" id="{35F1EA43-7896-46DE-8EC9-5745E3154EB6}"/>
+                <a16:creationId xmlns="" xmlns:a16="http://schemas.microsoft.com/office/drawing/2014/main" id="{35F1EA43-7896-46DE-8EC9-5745E3154EB6}"/>
               </a:ext>
             </a:extLst>
           </p:cNvPr>
@@ -5673,14 +5659,14 @@
                 <a:gridCol w="1180568">
                   <a:extLst>
                     <a:ext uri="{9D8B030D-6E8A-4147-A177-3AD203B41FA5}">
-                      <a16:colId xmlns:a16="http://schemas.microsoft.com/office/drawing/2014/main" xmlns="" val="472782767"/>
+                      <a16:colId xmlns="" xmlns:a16="http://schemas.microsoft.com/office/drawing/2014/main" val="472782767"/>
                     </a:ext>
                   </a:extLst>
                 </a:gridCol>
                 <a:gridCol w="2191277">
                   <a:extLst>
                     <a:ext uri="{9D8B030D-6E8A-4147-A177-3AD203B41FA5}">
-                      <a16:colId xmlns:a16="http://schemas.microsoft.com/office/drawing/2014/main" xmlns="" val="3602942349"/>
+                      <a16:colId xmlns="" xmlns:a16="http://schemas.microsoft.com/office/drawing/2014/main" val="3602942349"/>
                     </a:ext>
                   </a:extLst>
                 </a:gridCol>
@@ -5719,7 +5705,7 @@
                 </a:tc>
                 <a:extLst>
                   <a:ext uri="{0D108BD9-81ED-4DB2-BD59-A6C34878D82A}">
-                    <a16:rowId xmlns:a16="http://schemas.microsoft.com/office/drawing/2014/main" xmlns="" val="1945323491"/>
+                    <a16:rowId xmlns="" xmlns:a16="http://schemas.microsoft.com/office/drawing/2014/main" val="1945323491"/>
                   </a:ext>
                 </a:extLst>
               </a:tr>
@@ -5757,7 +5743,7 @@
                 </a:tc>
                 <a:extLst>
                   <a:ext uri="{0D108BD9-81ED-4DB2-BD59-A6C34878D82A}">
-                    <a16:rowId xmlns:a16="http://schemas.microsoft.com/office/drawing/2014/main" xmlns="" val="2990887284"/>
+                    <a16:rowId xmlns="" xmlns:a16="http://schemas.microsoft.com/office/drawing/2014/main" val="2990887284"/>
                   </a:ext>
                 </a:extLst>
               </a:tr>
@@ -5795,7 +5781,7 @@
                 </a:tc>
                 <a:extLst>
                   <a:ext uri="{0D108BD9-81ED-4DB2-BD59-A6C34878D82A}">
-                    <a16:rowId xmlns:a16="http://schemas.microsoft.com/office/drawing/2014/main" xmlns="" val="962344456"/>
+                    <a16:rowId xmlns="" xmlns:a16="http://schemas.microsoft.com/office/drawing/2014/main" val="962344456"/>
                   </a:ext>
                 </a:extLst>
               </a:tr>
@@ -5834,7 +5820,7 @@
                 </a:tc>
                 <a:extLst>
                   <a:ext uri="{0D108BD9-81ED-4DB2-BD59-A6C34878D82A}">
-                    <a16:rowId xmlns:a16="http://schemas.microsoft.com/office/drawing/2014/main" xmlns="" val="1387917407"/>
+                    <a16:rowId xmlns="" xmlns:a16="http://schemas.microsoft.com/office/drawing/2014/main" val="1387917407"/>
                   </a:ext>
                 </a:extLst>
               </a:tr>
@@ -5884,7 +5870,7 @@
                 </a:tc>
                 <a:extLst>
                   <a:ext uri="{0D108BD9-81ED-4DB2-BD59-A6C34878D82A}">
-                    <a16:rowId xmlns:a16="http://schemas.microsoft.com/office/drawing/2014/main" xmlns="" val="2318631221"/>
+                    <a16:rowId xmlns="" xmlns:a16="http://schemas.microsoft.com/office/drawing/2014/main" val="2318631221"/>
                   </a:ext>
                 </a:extLst>
               </a:tr>
@@ -5934,7 +5920,7 @@
                 </a:tc>
                 <a:extLst>
                   <a:ext uri="{0D108BD9-81ED-4DB2-BD59-A6C34878D82A}">
-                    <a16:rowId xmlns:a16="http://schemas.microsoft.com/office/drawing/2014/main" xmlns="" val="1859467580"/>
+                    <a16:rowId xmlns="" xmlns:a16="http://schemas.microsoft.com/office/drawing/2014/main" val="1859467580"/>
                   </a:ext>
                 </a:extLst>
               </a:tr>
@@ -6014,7 +6000,7 @@
                 </a:tc>
                 <a:extLst>
                   <a:ext uri="{0D108BD9-81ED-4DB2-BD59-A6C34878D82A}">
-                    <a16:rowId xmlns:a16="http://schemas.microsoft.com/office/drawing/2014/main" xmlns="" val="1682705387"/>
+                    <a16:rowId xmlns="" xmlns:a16="http://schemas.microsoft.com/office/drawing/2014/main" val="1682705387"/>
                   </a:ext>
                 </a:extLst>
               </a:tr>
@@ -6027,7 +6013,7 @@
           <p:cNvPr id="25" name="矩形 24">
             <a:extLst>
               <a:ext uri="{FF2B5EF4-FFF2-40B4-BE49-F238E27FC236}">
-                <a16:creationId xmlns:a16="http://schemas.microsoft.com/office/drawing/2014/main" xmlns="" id="{04A987F2-AEB3-4FDD-A76D-801BCA314BE2}"/>
+                <a16:creationId xmlns="" xmlns:a16="http://schemas.microsoft.com/office/drawing/2014/main" id="{04A987F2-AEB3-4FDD-A76D-801BCA314BE2}"/>
               </a:ext>
             </a:extLst>
           </p:cNvPr>
@@ -6106,7 +6092,7 @@
           <p:cNvPr id="4" name="矩形 3">
             <a:extLst>
               <a:ext uri="{FF2B5EF4-FFF2-40B4-BE49-F238E27FC236}">
-                <a16:creationId xmlns:a16="http://schemas.microsoft.com/office/drawing/2014/main" xmlns="" id="{7C59F971-A75E-466B-B078-4D497A0306D5}"/>
+                <a16:creationId xmlns="" xmlns:a16="http://schemas.microsoft.com/office/drawing/2014/main" id="{7C59F971-A75E-466B-B078-4D497A0306D5}"/>
               </a:ext>
             </a:extLst>
           </p:cNvPr>
@@ -6160,7 +6146,7 @@
           <p:cNvPr id="6" name="直接连接符 5">
             <a:extLst>
               <a:ext uri="{FF2B5EF4-FFF2-40B4-BE49-F238E27FC236}">
-                <a16:creationId xmlns:a16="http://schemas.microsoft.com/office/drawing/2014/main" xmlns="" id="{B6C63E3D-FF7D-4F47-A6D5-897D2F5B2B16}"/>
+                <a16:creationId xmlns="" xmlns:a16="http://schemas.microsoft.com/office/drawing/2014/main" id="{B6C63E3D-FF7D-4F47-A6D5-897D2F5B2B16}"/>
               </a:ext>
             </a:extLst>
           </p:cNvPr>
@@ -6197,7 +6183,7 @@
           <p:cNvPr id="8" name="直接连接符 7">
             <a:extLst>
               <a:ext uri="{FF2B5EF4-FFF2-40B4-BE49-F238E27FC236}">
-                <a16:creationId xmlns:a16="http://schemas.microsoft.com/office/drawing/2014/main" xmlns="" id="{8486A2E2-F387-46CE-A63A-F73D3071A312}"/>
+                <a16:creationId xmlns="" xmlns:a16="http://schemas.microsoft.com/office/drawing/2014/main" id="{8486A2E2-F387-46CE-A63A-F73D3071A312}"/>
               </a:ext>
             </a:extLst>
           </p:cNvPr>
@@ -6234,7 +6220,7 @@
           <p:cNvPr id="10" name="直接连接符 9">
             <a:extLst>
               <a:ext uri="{FF2B5EF4-FFF2-40B4-BE49-F238E27FC236}">
-                <a16:creationId xmlns:a16="http://schemas.microsoft.com/office/drawing/2014/main" xmlns="" id="{BE6B91E6-4939-4F49-BA2A-03B87B1690C3}"/>
+                <a16:creationId xmlns="" xmlns:a16="http://schemas.microsoft.com/office/drawing/2014/main" id="{BE6B91E6-4939-4F49-BA2A-03B87B1690C3}"/>
               </a:ext>
             </a:extLst>
           </p:cNvPr>
@@ -6270,7 +6256,7 @@
           <p:cNvPr id="12" name="直接连接符 11">
             <a:extLst>
               <a:ext uri="{FF2B5EF4-FFF2-40B4-BE49-F238E27FC236}">
-                <a16:creationId xmlns:a16="http://schemas.microsoft.com/office/drawing/2014/main" xmlns="" id="{2E6B5E5F-2575-4975-AC97-6B58D8F2D270}"/>
+                <a16:creationId xmlns="" xmlns:a16="http://schemas.microsoft.com/office/drawing/2014/main" id="{2E6B5E5F-2575-4975-AC97-6B58D8F2D270}"/>
               </a:ext>
             </a:extLst>
           </p:cNvPr>
@@ -6306,7 +6292,7 @@
           <p:cNvPr id="13" name="文本框 12">
             <a:extLst>
               <a:ext uri="{FF2B5EF4-FFF2-40B4-BE49-F238E27FC236}">
-                <a16:creationId xmlns:a16="http://schemas.microsoft.com/office/drawing/2014/main" xmlns="" id="{277991F2-952E-4D12-9F3E-24EC0E8F1399}"/>
+                <a16:creationId xmlns="" xmlns:a16="http://schemas.microsoft.com/office/drawing/2014/main" id="{277991F2-952E-4D12-9F3E-24EC0E8F1399}"/>
               </a:ext>
             </a:extLst>
           </p:cNvPr>
@@ -6341,7 +6327,7 @@
           <p:cNvPr id="15" name="文本框 14">
             <a:extLst>
               <a:ext uri="{FF2B5EF4-FFF2-40B4-BE49-F238E27FC236}">
-                <a16:creationId xmlns:a16="http://schemas.microsoft.com/office/drawing/2014/main" xmlns="" id="{8397EFDC-FDA6-4152-9895-F5943925AF4C}"/>
+                <a16:creationId xmlns="" xmlns:a16="http://schemas.microsoft.com/office/drawing/2014/main" id="{8397EFDC-FDA6-4152-9895-F5943925AF4C}"/>
               </a:ext>
             </a:extLst>
           </p:cNvPr>
@@ -6376,7 +6362,7 @@
           <p:cNvPr id="17" name="文本框 16">
             <a:extLst>
               <a:ext uri="{FF2B5EF4-FFF2-40B4-BE49-F238E27FC236}">
-                <a16:creationId xmlns:a16="http://schemas.microsoft.com/office/drawing/2014/main" xmlns="" id="{F98714D8-1682-44A2-9A58-51E942308A9B}"/>
+                <a16:creationId xmlns="" xmlns:a16="http://schemas.microsoft.com/office/drawing/2014/main" id="{F98714D8-1682-44A2-9A58-51E942308A9B}"/>
               </a:ext>
             </a:extLst>
           </p:cNvPr>
@@ -6415,7 +6401,7 @@
           <p:cNvPr id="19" name="直接连接符 18">
             <a:extLst>
               <a:ext uri="{FF2B5EF4-FFF2-40B4-BE49-F238E27FC236}">
-                <a16:creationId xmlns:a16="http://schemas.microsoft.com/office/drawing/2014/main" xmlns="" id="{EC5DFE42-3498-447A-B714-E2EB9216F4D1}"/>
+                <a16:creationId xmlns="" xmlns:a16="http://schemas.microsoft.com/office/drawing/2014/main" id="{EC5DFE42-3498-447A-B714-E2EB9216F4D1}"/>
               </a:ext>
             </a:extLst>
           </p:cNvPr>
@@ -6451,7 +6437,7 @@
           <p:cNvPr id="21" name="文本框 20">
             <a:extLst>
               <a:ext uri="{FF2B5EF4-FFF2-40B4-BE49-F238E27FC236}">
-                <a16:creationId xmlns:a16="http://schemas.microsoft.com/office/drawing/2014/main" xmlns="" id="{5A7593B4-1A8F-4664-8ED3-6A128BBF7760}"/>
+                <a16:creationId xmlns="" xmlns:a16="http://schemas.microsoft.com/office/drawing/2014/main" id="{5A7593B4-1A8F-4664-8ED3-6A128BBF7760}"/>
               </a:ext>
             </a:extLst>
           </p:cNvPr>
@@ -6486,7 +6472,7 @@
           <p:cNvPr id="23" name="直接连接符 22">
             <a:extLst>
               <a:ext uri="{FF2B5EF4-FFF2-40B4-BE49-F238E27FC236}">
-                <a16:creationId xmlns:a16="http://schemas.microsoft.com/office/drawing/2014/main" xmlns="" id="{415F7A5B-15B4-40C0-9524-51A6473FE2BC}"/>
+                <a16:creationId xmlns="" xmlns:a16="http://schemas.microsoft.com/office/drawing/2014/main" id="{415F7A5B-15B4-40C0-9524-51A6473FE2BC}"/>
               </a:ext>
             </a:extLst>
           </p:cNvPr>
@@ -6524,7 +6510,7 @@
           <p:cNvPr id="26" name="文本框 25">
             <a:extLst>
               <a:ext uri="{FF2B5EF4-FFF2-40B4-BE49-F238E27FC236}">
-                <a16:creationId xmlns:a16="http://schemas.microsoft.com/office/drawing/2014/main" xmlns="" id="{8199227A-4442-494F-9BFD-D8632734BCF5}"/>
+                <a16:creationId xmlns="" xmlns:a16="http://schemas.microsoft.com/office/drawing/2014/main" id="{8199227A-4442-494F-9BFD-D8632734BCF5}"/>
               </a:ext>
             </a:extLst>
           </p:cNvPr>
@@ -6559,7 +6545,7 @@
           <p:cNvPr id="28" name="直接连接符 27">
             <a:extLst>
               <a:ext uri="{FF2B5EF4-FFF2-40B4-BE49-F238E27FC236}">
-                <a16:creationId xmlns:a16="http://schemas.microsoft.com/office/drawing/2014/main" xmlns="" id="{E04D8FB5-78B8-4150-8BF6-8078B29F0915}"/>
+                <a16:creationId xmlns="" xmlns:a16="http://schemas.microsoft.com/office/drawing/2014/main" id="{E04D8FB5-78B8-4150-8BF6-8078B29F0915}"/>
               </a:ext>
             </a:extLst>
           </p:cNvPr>
@@ -6595,7 +6581,7 @@
           <p:cNvPr id="30" name="文本框 29">
             <a:extLst>
               <a:ext uri="{FF2B5EF4-FFF2-40B4-BE49-F238E27FC236}">
-                <a16:creationId xmlns:a16="http://schemas.microsoft.com/office/drawing/2014/main" xmlns="" id="{5E1D2323-E17D-404B-8E96-7D83C0B80477}"/>
+                <a16:creationId xmlns="" xmlns:a16="http://schemas.microsoft.com/office/drawing/2014/main" id="{5E1D2323-E17D-404B-8E96-7D83C0B80477}"/>
               </a:ext>
             </a:extLst>
           </p:cNvPr>
@@ -6630,7 +6616,7 @@
           <p:cNvPr id="32" name="直接连接符 31">
             <a:extLst>
               <a:ext uri="{FF2B5EF4-FFF2-40B4-BE49-F238E27FC236}">
-                <a16:creationId xmlns:a16="http://schemas.microsoft.com/office/drawing/2014/main" xmlns="" id="{8013E9B9-8FD6-48E0-B6ED-C10972A21A73}"/>
+                <a16:creationId xmlns="" xmlns:a16="http://schemas.microsoft.com/office/drawing/2014/main" id="{8013E9B9-8FD6-48E0-B6ED-C10972A21A73}"/>
               </a:ext>
             </a:extLst>
           </p:cNvPr>
@@ -6666,7 +6652,7 @@
           <p:cNvPr id="34" name="文本框 33">
             <a:extLst>
               <a:ext uri="{FF2B5EF4-FFF2-40B4-BE49-F238E27FC236}">
-                <a16:creationId xmlns:a16="http://schemas.microsoft.com/office/drawing/2014/main" xmlns="" id="{0D8DC410-1092-4854-AFD1-24170328B516}"/>
+                <a16:creationId xmlns="" xmlns:a16="http://schemas.microsoft.com/office/drawing/2014/main" id="{0D8DC410-1092-4854-AFD1-24170328B516}"/>
               </a:ext>
             </a:extLst>
           </p:cNvPr>
@@ -6701,7 +6687,7 @@
           <p:cNvPr id="2" name="椭圆 1">
             <a:extLst>
               <a:ext uri="{FF2B5EF4-FFF2-40B4-BE49-F238E27FC236}">
-                <a16:creationId xmlns:a16="http://schemas.microsoft.com/office/drawing/2014/main" xmlns="" id="{7CAB8FCD-BFAB-4A59-803D-1F998B189359}"/>
+                <a16:creationId xmlns="" xmlns:a16="http://schemas.microsoft.com/office/drawing/2014/main" id="{7CAB8FCD-BFAB-4A59-803D-1F998B189359}"/>
               </a:ext>
             </a:extLst>
           </p:cNvPr>
@@ -6750,7 +6736,7 @@
           <p:cNvPr id="3" name="矩形 2">
             <a:extLst>
               <a:ext uri="{FF2B5EF4-FFF2-40B4-BE49-F238E27FC236}">
-                <a16:creationId xmlns:a16="http://schemas.microsoft.com/office/drawing/2014/main" xmlns="" id="{4A8D16CA-4B77-4908-9E49-E150E9C3589D}"/>
+                <a16:creationId xmlns="" xmlns:a16="http://schemas.microsoft.com/office/drawing/2014/main" id="{4A8D16CA-4B77-4908-9E49-E150E9C3589D}"/>
               </a:ext>
             </a:extLst>
           </p:cNvPr>
@@ -6836,7 +6822,7 @@
           <p:cNvPr id="5" name="矩形 4">
             <a:extLst>
               <a:ext uri="{FF2B5EF4-FFF2-40B4-BE49-F238E27FC236}">
-                <a16:creationId xmlns:a16="http://schemas.microsoft.com/office/drawing/2014/main" xmlns="" id="{98CE2BCB-C457-4BF7-9C32-C560F99EB805}"/>
+                <a16:creationId xmlns="" xmlns:a16="http://schemas.microsoft.com/office/drawing/2014/main" id="{98CE2BCB-C457-4BF7-9C32-C560F99EB805}"/>
               </a:ext>
             </a:extLst>
           </p:cNvPr>
@@ -6885,7 +6871,7 @@
           <p:cNvPr id="7" name="表格 8">
             <a:extLst>
               <a:ext uri="{FF2B5EF4-FFF2-40B4-BE49-F238E27FC236}">
-                <a16:creationId xmlns:a16="http://schemas.microsoft.com/office/drawing/2014/main" xmlns="" id="{34950F6A-1791-4E45-B7FE-5E2D4F25A670}"/>
+                <a16:creationId xmlns="" xmlns:a16="http://schemas.microsoft.com/office/drawing/2014/main" id="{34950F6A-1791-4E45-B7FE-5E2D4F25A670}"/>
               </a:ext>
             </a:extLst>
           </p:cNvPr>
@@ -6914,14 +6900,14 @@
                 <a:gridCol w="1569194">
                   <a:extLst>
                     <a:ext uri="{9D8B030D-6E8A-4147-A177-3AD203B41FA5}">
-                      <a16:colId xmlns:a16="http://schemas.microsoft.com/office/drawing/2014/main" xmlns="" val="2593528878"/>
+                      <a16:colId xmlns="" xmlns:a16="http://schemas.microsoft.com/office/drawing/2014/main" val="2593528878"/>
                     </a:ext>
                   </a:extLst>
                 </a:gridCol>
                 <a:gridCol w="958850">
                   <a:extLst>
                     <a:ext uri="{9D8B030D-6E8A-4147-A177-3AD203B41FA5}">
-                      <a16:colId xmlns:a16="http://schemas.microsoft.com/office/drawing/2014/main" xmlns="" val="1502696126"/>
+                      <a16:colId xmlns="" xmlns:a16="http://schemas.microsoft.com/office/drawing/2014/main" val="1502696126"/>
                     </a:ext>
                   </a:extLst>
                 </a:gridCol>
@@ -6952,7 +6938,7 @@
                 </a:tc>
                 <a:extLst>
                   <a:ext uri="{0D108BD9-81ED-4DB2-BD59-A6C34878D82A}">
-                    <a16:rowId xmlns:a16="http://schemas.microsoft.com/office/drawing/2014/main" xmlns="" val="2461393321"/>
+                    <a16:rowId xmlns="" xmlns:a16="http://schemas.microsoft.com/office/drawing/2014/main" val="2461393321"/>
                   </a:ext>
                 </a:extLst>
               </a:tr>
@@ -6982,7 +6968,7 @@
                 </a:tc>
                 <a:extLst>
                   <a:ext uri="{0D108BD9-81ED-4DB2-BD59-A6C34878D82A}">
-                    <a16:rowId xmlns:a16="http://schemas.microsoft.com/office/drawing/2014/main" xmlns="" val="1943808666"/>
+                    <a16:rowId xmlns="" xmlns:a16="http://schemas.microsoft.com/office/drawing/2014/main" val="1943808666"/>
                   </a:ext>
                 </a:extLst>
               </a:tr>
@@ -7012,7 +6998,7 @@
                 </a:tc>
                 <a:extLst>
                   <a:ext uri="{0D108BD9-81ED-4DB2-BD59-A6C34878D82A}">
-                    <a16:rowId xmlns:a16="http://schemas.microsoft.com/office/drawing/2014/main" xmlns="" val="2308967197"/>
+                    <a16:rowId xmlns="" xmlns:a16="http://schemas.microsoft.com/office/drawing/2014/main" val="2308967197"/>
                   </a:ext>
                 </a:extLst>
               </a:tr>
@@ -7042,7 +7028,7 @@
                 </a:tc>
                 <a:extLst>
                   <a:ext uri="{0D108BD9-81ED-4DB2-BD59-A6C34878D82A}">
-                    <a16:rowId xmlns:a16="http://schemas.microsoft.com/office/drawing/2014/main" xmlns="" val="3826931475"/>
+                    <a16:rowId xmlns="" xmlns:a16="http://schemas.microsoft.com/office/drawing/2014/main" val="3826931475"/>
                   </a:ext>
                 </a:extLst>
               </a:tr>
@@ -7072,7 +7058,7 @@
                 </a:tc>
                 <a:extLst>
                   <a:ext uri="{0D108BD9-81ED-4DB2-BD59-A6C34878D82A}">
-                    <a16:rowId xmlns:a16="http://schemas.microsoft.com/office/drawing/2014/main" xmlns="" val="366606393"/>
+                    <a16:rowId xmlns="" xmlns:a16="http://schemas.microsoft.com/office/drawing/2014/main" val="366606393"/>
                   </a:ext>
                 </a:extLst>
               </a:tr>
@@ -7102,7 +7088,7 @@
                 </a:tc>
                 <a:extLst>
                   <a:ext uri="{0D108BD9-81ED-4DB2-BD59-A6C34878D82A}">
-                    <a16:rowId xmlns:a16="http://schemas.microsoft.com/office/drawing/2014/main" xmlns="" val="3888225285"/>
+                    <a16:rowId xmlns="" xmlns:a16="http://schemas.microsoft.com/office/drawing/2014/main" val="3888225285"/>
                   </a:ext>
                 </a:extLst>
               </a:tr>
@@ -7132,7 +7118,7 @@
                 </a:tc>
                 <a:extLst>
                   <a:ext uri="{0D108BD9-81ED-4DB2-BD59-A6C34878D82A}">
-                    <a16:rowId xmlns:a16="http://schemas.microsoft.com/office/drawing/2014/main" xmlns="" val="1360669079"/>
+                    <a16:rowId xmlns="" xmlns:a16="http://schemas.microsoft.com/office/drawing/2014/main" val="1360669079"/>
                   </a:ext>
                 </a:extLst>
               </a:tr>
@@ -7162,7 +7148,7 @@
                 </a:tc>
                 <a:extLst>
                   <a:ext uri="{0D108BD9-81ED-4DB2-BD59-A6C34878D82A}">
-                    <a16:rowId xmlns:a16="http://schemas.microsoft.com/office/drawing/2014/main" xmlns="" val="742958646"/>
+                    <a16:rowId xmlns="" xmlns:a16="http://schemas.microsoft.com/office/drawing/2014/main" val="742958646"/>
                   </a:ext>
                 </a:extLst>
               </a:tr>
@@ -7192,7 +7178,7 @@
                 </a:tc>
                 <a:extLst>
                   <a:ext uri="{0D108BD9-81ED-4DB2-BD59-A6C34878D82A}">
-                    <a16:rowId xmlns:a16="http://schemas.microsoft.com/office/drawing/2014/main" xmlns="" val="715819481"/>
+                    <a16:rowId xmlns="" xmlns:a16="http://schemas.microsoft.com/office/drawing/2014/main" val="715819481"/>
                   </a:ext>
                 </a:extLst>
               </a:tr>
@@ -7235,7 +7221,7 @@
           <p:cNvPr id="4" name="矩形 3">
             <a:extLst>
               <a:ext uri="{FF2B5EF4-FFF2-40B4-BE49-F238E27FC236}">
-                <a16:creationId xmlns:a16="http://schemas.microsoft.com/office/drawing/2014/main" xmlns="" id="{7C59F971-A75E-466B-B078-4D497A0306D5}"/>
+                <a16:creationId xmlns="" xmlns:a16="http://schemas.microsoft.com/office/drawing/2014/main" id="{7C59F971-A75E-466B-B078-4D497A0306D5}"/>
               </a:ext>
             </a:extLst>
           </p:cNvPr>
@@ -7289,7 +7275,7 @@
           <p:cNvPr id="6" name="直接连接符 5">
             <a:extLst>
               <a:ext uri="{FF2B5EF4-FFF2-40B4-BE49-F238E27FC236}">
-                <a16:creationId xmlns:a16="http://schemas.microsoft.com/office/drawing/2014/main" xmlns="" id="{B6C63E3D-FF7D-4F47-A6D5-897D2F5B2B16}"/>
+                <a16:creationId xmlns="" xmlns:a16="http://schemas.microsoft.com/office/drawing/2014/main" id="{B6C63E3D-FF7D-4F47-A6D5-897D2F5B2B16}"/>
               </a:ext>
             </a:extLst>
           </p:cNvPr>
@@ -7326,7 +7312,7 @@
           <p:cNvPr id="8" name="直接连接符 7">
             <a:extLst>
               <a:ext uri="{FF2B5EF4-FFF2-40B4-BE49-F238E27FC236}">
-                <a16:creationId xmlns:a16="http://schemas.microsoft.com/office/drawing/2014/main" xmlns="" id="{8486A2E2-F387-46CE-A63A-F73D3071A312}"/>
+                <a16:creationId xmlns="" xmlns:a16="http://schemas.microsoft.com/office/drawing/2014/main" id="{8486A2E2-F387-46CE-A63A-F73D3071A312}"/>
               </a:ext>
             </a:extLst>
           </p:cNvPr>
@@ -7363,7 +7349,7 @@
           <p:cNvPr id="10" name="直接连接符 9">
             <a:extLst>
               <a:ext uri="{FF2B5EF4-FFF2-40B4-BE49-F238E27FC236}">
-                <a16:creationId xmlns:a16="http://schemas.microsoft.com/office/drawing/2014/main" xmlns="" id="{BE6B91E6-4939-4F49-BA2A-03B87B1690C3}"/>
+                <a16:creationId xmlns="" xmlns:a16="http://schemas.microsoft.com/office/drawing/2014/main" id="{BE6B91E6-4939-4F49-BA2A-03B87B1690C3}"/>
               </a:ext>
             </a:extLst>
           </p:cNvPr>
@@ -7399,7 +7385,7 @@
           <p:cNvPr id="12" name="直接连接符 11">
             <a:extLst>
               <a:ext uri="{FF2B5EF4-FFF2-40B4-BE49-F238E27FC236}">
-                <a16:creationId xmlns:a16="http://schemas.microsoft.com/office/drawing/2014/main" xmlns="" id="{2E6B5E5F-2575-4975-AC97-6B58D8F2D270}"/>
+                <a16:creationId xmlns="" xmlns:a16="http://schemas.microsoft.com/office/drawing/2014/main" id="{2E6B5E5F-2575-4975-AC97-6B58D8F2D270}"/>
               </a:ext>
             </a:extLst>
           </p:cNvPr>
@@ -7435,7 +7421,7 @@
           <p:cNvPr id="13" name="文本框 12">
             <a:extLst>
               <a:ext uri="{FF2B5EF4-FFF2-40B4-BE49-F238E27FC236}">
-                <a16:creationId xmlns:a16="http://schemas.microsoft.com/office/drawing/2014/main" xmlns="" id="{277991F2-952E-4D12-9F3E-24EC0E8F1399}"/>
+                <a16:creationId xmlns="" xmlns:a16="http://schemas.microsoft.com/office/drawing/2014/main" id="{277991F2-952E-4D12-9F3E-24EC0E8F1399}"/>
               </a:ext>
             </a:extLst>
           </p:cNvPr>
@@ -7470,7 +7456,7 @@
           <p:cNvPr id="15" name="文本框 14">
             <a:extLst>
               <a:ext uri="{FF2B5EF4-FFF2-40B4-BE49-F238E27FC236}">
-                <a16:creationId xmlns:a16="http://schemas.microsoft.com/office/drawing/2014/main" xmlns="" id="{8397EFDC-FDA6-4152-9895-F5943925AF4C}"/>
+                <a16:creationId xmlns="" xmlns:a16="http://schemas.microsoft.com/office/drawing/2014/main" id="{8397EFDC-FDA6-4152-9895-F5943925AF4C}"/>
               </a:ext>
             </a:extLst>
           </p:cNvPr>
@@ -7505,7 +7491,7 @@
           <p:cNvPr id="17" name="文本框 16">
             <a:extLst>
               <a:ext uri="{FF2B5EF4-FFF2-40B4-BE49-F238E27FC236}">
-                <a16:creationId xmlns:a16="http://schemas.microsoft.com/office/drawing/2014/main" xmlns="" id="{F98714D8-1682-44A2-9A58-51E942308A9B}"/>
+                <a16:creationId xmlns="" xmlns:a16="http://schemas.microsoft.com/office/drawing/2014/main" id="{F98714D8-1682-44A2-9A58-51E942308A9B}"/>
               </a:ext>
             </a:extLst>
           </p:cNvPr>
@@ -7540,7 +7526,7 @@
           <p:cNvPr id="19" name="直接连接符 18">
             <a:extLst>
               <a:ext uri="{FF2B5EF4-FFF2-40B4-BE49-F238E27FC236}">
-                <a16:creationId xmlns:a16="http://schemas.microsoft.com/office/drawing/2014/main" xmlns="" id="{EC5DFE42-3498-447A-B714-E2EB9216F4D1}"/>
+                <a16:creationId xmlns="" xmlns:a16="http://schemas.microsoft.com/office/drawing/2014/main" id="{EC5DFE42-3498-447A-B714-E2EB9216F4D1}"/>
               </a:ext>
             </a:extLst>
           </p:cNvPr>
@@ -7576,7 +7562,7 @@
           <p:cNvPr id="21" name="文本框 20">
             <a:extLst>
               <a:ext uri="{FF2B5EF4-FFF2-40B4-BE49-F238E27FC236}">
-                <a16:creationId xmlns:a16="http://schemas.microsoft.com/office/drawing/2014/main" xmlns="" id="{5A7593B4-1A8F-4664-8ED3-6A128BBF7760}"/>
+                <a16:creationId xmlns="" xmlns:a16="http://schemas.microsoft.com/office/drawing/2014/main" id="{5A7593B4-1A8F-4664-8ED3-6A128BBF7760}"/>
               </a:ext>
             </a:extLst>
           </p:cNvPr>
@@ -7615,7 +7601,7 @@
           <p:cNvPr id="23" name="直接连接符 22">
             <a:extLst>
               <a:ext uri="{FF2B5EF4-FFF2-40B4-BE49-F238E27FC236}">
-                <a16:creationId xmlns:a16="http://schemas.microsoft.com/office/drawing/2014/main" xmlns="" id="{415F7A5B-15B4-40C0-9524-51A6473FE2BC}"/>
+                <a16:creationId xmlns="" xmlns:a16="http://schemas.microsoft.com/office/drawing/2014/main" id="{415F7A5B-15B4-40C0-9524-51A6473FE2BC}"/>
               </a:ext>
             </a:extLst>
           </p:cNvPr>
@@ -7653,7 +7639,7 @@
           <p:cNvPr id="26" name="文本框 25">
             <a:extLst>
               <a:ext uri="{FF2B5EF4-FFF2-40B4-BE49-F238E27FC236}">
-                <a16:creationId xmlns:a16="http://schemas.microsoft.com/office/drawing/2014/main" xmlns="" id="{8199227A-4442-494F-9BFD-D8632734BCF5}"/>
+                <a16:creationId xmlns="" xmlns:a16="http://schemas.microsoft.com/office/drawing/2014/main" id="{8199227A-4442-494F-9BFD-D8632734BCF5}"/>
               </a:ext>
             </a:extLst>
           </p:cNvPr>
@@ -7688,7 +7674,7 @@
           <p:cNvPr id="28" name="直接连接符 27">
             <a:extLst>
               <a:ext uri="{FF2B5EF4-FFF2-40B4-BE49-F238E27FC236}">
-                <a16:creationId xmlns:a16="http://schemas.microsoft.com/office/drawing/2014/main" xmlns="" id="{E04D8FB5-78B8-4150-8BF6-8078B29F0915}"/>
+                <a16:creationId xmlns="" xmlns:a16="http://schemas.microsoft.com/office/drawing/2014/main" id="{E04D8FB5-78B8-4150-8BF6-8078B29F0915}"/>
               </a:ext>
             </a:extLst>
           </p:cNvPr>
@@ -7724,7 +7710,7 @@
           <p:cNvPr id="30" name="文本框 29">
             <a:extLst>
               <a:ext uri="{FF2B5EF4-FFF2-40B4-BE49-F238E27FC236}">
-                <a16:creationId xmlns:a16="http://schemas.microsoft.com/office/drawing/2014/main" xmlns="" id="{5E1D2323-E17D-404B-8E96-7D83C0B80477}"/>
+                <a16:creationId xmlns="" xmlns:a16="http://schemas.microsoft.com/office/drawing/2014/main" id="{5E1D2323-E17D-404B-8E96-7D83C0B80477}"/>
               </a:ext>
             </a:extLst>
           </p:cNvPr>
@@ -7759,7 +7745,7 @@
           <p:cNvPr id="32" name="直接连接符 31">
             <a:extLst>
               <a:ext uri="{FF2B5EF4-FFF2-40B4-BE49-F238E27FC236}">
-                <a16:creationId xmlns:a16="http://schemas.microsoft.com/office/drawing/2014/main" xmlns="" id="{8013E9B9-8FD6-48E0-B6ED-C10972A21A73}"/>
+                <a16:creationId xmlns="" xmlns:a16="http://schemas.microsoft.com/office/drawing/2014/main" id="{8013E9B9-8FD6-48E0-B6ED-C10972A21A73}"/>
               </a:ext>
             </a:extLst>
           </p:cNvPr>
@@ -7795,7 +7781,7 @@
           <p:cNvPr id="34" name="文本框 33">
             <a:extLst>
               <a:ext uri="{FF2B5EF4-FFF2-40B4-BE49-F238E27FC236}">
-                <a16:creationId xmlns:a16="http://schemas.microsoft.com/office/drawing/2014/main" xmlns="" id="{0D8DC410-1092-4854-AFD1-24170328B516}"/>
+                <a16:creationId xmlns="" xmlns:a16="http://schemas.microsoft.com/office/drawing/2014/main" id="{0D8DC410-1092-4854-AFD1-24170328B516}"/>
               </a:ext>
             </a:extLst>
           </p:cNvPr>
@@ -7830,7 +7816,7 @@
           <p:cNvPr id="7" name="表格 8">
             <a:extLst>
               <a:ext uri="{FF2B5EF4-FFF2-40B4-BE49-F238E27FC236}">
-                <a16:creationId xmlns:a16="http://schemas.microsoft.com/office/drawing/2014/main" xmlns="" id="{47C7FF77-DE7C-4D1F-97E5-0F6D72BF5C0D}"/>
+                <a16:creationId xmlns="" xmlns:a16="http://schemas.microsoft.com/office/drawing/2014/main" id="{47C7FF77-DE7C-4D1F-97E5-0F6D72BF5C0D}"/>
               </a:ext>
             </a:extLst>
           </p:cNvPr>
@@ -7859,14 +7845,14 @@
                 <a:gridCol w="1698625">
                   <a:extLst>
                     <a:ext uri="{9D8B030D-6E8A-4147-A177-3AD203B41FA5}">
-                      <a16:colId xmlns:a16="http://schemas.microsoft.com/office/drawing/2014/main" xmlns="" val="4181306423"/>
+                      <a16:colId xmlns="" xmlns:a16="http://schemas.microsoft.com/office/drawing/2014/main" val="4181306423"/>
                     </a:ext>
                   </a:extLst>
                 </a:gridCol>
                 <a:gridCol w="1698625">
                   <a:extLst>
                     <a:ext uri="{9D8B030D-6E8A-4147-A177-3AD203B41FA5}">
-                      <a16:colId xmlns:a16="http://schemas.microsoft.com/office/drawing/2014/main" xmlns="" val="3634505801"/>
+                      <a16:colId xmlns="" xmlns:a16="http://schemas.microsoft.com/office/drawing/2014/main" val="3634505801"/>
                     </a:ext>
                   </a:extLst>
                 </a:gridCol>
@@ -7902,7 +7888,7 @@
                 </a:tc>
                 <a:extLst>
                   <a:ext uri="{0D108BD9-81ED-4DB2-BD59-A6C34878D82A}">
-                    <a16:rowId xmlns:a16="http://schemas.microsoft.com/office/drawing/2014/main" xmlns="" val="672085475"/>
+                    <a16:rowId xmlns="" xmlns:a16="http://schemas.microsoft.com/office/drawing/2014/main" val="672085475"/>
                   </a:ext>
                 </a:extLst>
               </a:tr>
@@ -7937,7 +7923,7 @@
                 </a:tc>
                 <a:extLst>
                   <a:ext uri="{0D108BD9-81ED-4DB2-BD59-A6C34878D82A}">
-                    <a16:rowId xmlns:a16="http://schemas.microsoft.com/office/drawing/2014/main" xmlns="" val="4284800139"/>
+                    <a16:rowId xmlns="" xmlns:a16="http://schemas.microsoft.com/office/drawing/2014/main" val="4284800139"/>
                   </a:ext>
                 </a:extLst>
               </a:tr>
@@ -7972,7 +7958,7 @@
                 </a:tc>
                 <a:extLst>
                   <a:ext uri="{0D108BD9-81ED-4DB2-BD59-A6C34878D82A}">
-                    <a16:rowId xmlns:a16="http://schemas.microsoft.com/office/drawing/2014/main" xmlns="" val="634700022"/>
+                    <a16:rowId xmlns="" xmlns:a16="http://schemas.microsoft.com/office/drawing/2014/main" val="634700022"/>
                   </a:ext>
                 </a:extLst>
               </a:tr>
@@ -8003,7 +7989,7 @@
                 </a:tc>
                 <a:extLst>
                   <a:ext uri="{0D108BD9-81ED-4DB2-BD59-A6C34878D82A}">
-                    <a16:rowId xmlns:a16="http://schemas.microsoft.com/office/drawing/2014/main" xmlns="" val="2546535813"/>
+                    <a16:rowId xmlns="" xmlns:a16="http://schemas.microsoft.com/office/drawing/2014/main" val="2546535813"/>
                   </a:ext>
                 </a:extLst>
               </a:tr>
@@ -8016,7 +8002,7 @@
           <p:cNvPr id="11" name="组合 10">
             <a:extLst>
               <a:ext uri="{FF2B5EF4-FFF2-40B4-BE49-F238E27FC236}">
-                <a16:creationId xmlns:a16="http://schemas.microsoft.com/office/drawing/2014/main" xmlns="" id="{16C9B771-69FB-4103-8B75-9D0F7069F955}"/>
+                <a16:creationId xmlns="" xmlns:a16="http://schemas.microsoft.com/office/drawing/2014/main" id="{16C9B771-69FB-4103-8B75-9D0F7069F955}"/>
               </a:ext>
             </a:extLst>
           </p:cNvPr>
@@ -8036,7 +8022,7 @@
             <p:cNvPr id="2" name="椭圆 1">
               <a:extLst>
                 <a:ext uri="{FF2B5EF4-FFF2-40B4-BE49-F238E27FC236}">
-                  <a16:creationId xmlns:a16="http://schemas.microsoft.com/office/drawing/2014/main" xmlns="" id="{CBE33716-F6DA-4B02-87EF-BD0986A82C86}"/>
+                  <a16:creationId xmlns="" xmlns:a16="http://schemas.microsoft.com/office/drawing/2014/main" id="{CBE33716-F6DA-4B02-87EF-BD0986A82C86}"/>
                 </a:ext>
               </a:extLst>
             </p:cNvPr>
@@ -8082,7 +8068,7 @@
             <p:cNvPr id="3" name="椭圆 2">
               <a:extLst>
                 <a:ext uri="{FF2B5EF4-FFF2-40B4-BE49-F238E27FC236}">
-                  <a16:creationId xmlns:a16="http://schemas.microsoft.com/office/drawing/2014/main" xmlns="" id="{A1095193-B6C1-4FCA-9897-C1FE8283DD4A}"/>
+                  <a16:creationId xmlns="" xmlns:a16="http://schemas.microsoft.com/office/drawing/2014/main" id="{A1095193-B6C1-4FCA-9897-C1FE8283DD4A}"/>
                 </a:ext>
               </a:extLst>
             </p:cNvPr>
@@ -8128,7 +8114,7 @@
             <p:cNvPr id="5" name="椭圆 4">
               <a:extLst>
                 <a:ext uri="{FF2B5EF4-FFF2-40B4-BE49-F238E27FC236}">
-                  <a16:creationId xmlns:a16="http://schemas.microsoft.com/office/drawing/2014/main" xmlns="" id="{0520BE64-D2B3-4E42-800D-81E3C0E32835}"/>
+                  <a16:creationId xmlns="" xmlns:a16="http://schemas.microsoft.com/office/drawing/2014/main" id="{0520BE64-D2B3-4E42-800D-81E3C0E32835}"/>
                 </a:ext>
               </a:extLst>
             </p:cNvPr>
@@ -8178,7 +8164,7 @@
           <p:cNvPr id="14" name="矩形 13">
             <a:extLst>
               <a:ext uri="{FF2B5EF4-FFF2-40B4-BE49-F238E27FC236}">
-                <a16:creationId xmlns:a16="http://schemas.microsoft.com/office/drawing/2014/main" xmlns="" id="{68C2011E-6D5F-4A8C-95CF-AA3FABD6FB25}"/>
+                <a16:creationId xmlns="" xmlns:a16="http://schemas.microsoft.com/office/drawing/2014/main" id="{68C2011E-6D5F-4A8C-95CF-AA3FABD6FB25}"/>
               </a:ext>
             </a:extLst>
           </p:cNvPr>
@@ -8235,7 +8221,7 @@
           <p:cNvPr id="16" name="标注: 线形 15">
             <a:extLst>
               <a:ext uri="{FF2B5EF4-FFF2-40B4-BE49-F238E27FC236}">
-                <a16:creationId xmlns:a16="http://schemas.microsoft.com/office/drawing/2014/main" xmlns="" id="{4887E1ED-BBE6-4B22-92A2-7649E83D7584}"/>
+                <a16:creationId xmlns="" xmlns:a16="http://schemas.microsoft.com/office/drawing/2014/main" id="{4887E1ED-BBE6-4B22-92A2-7649E83D7584}"/>
               </a:ext>
             </a:extLst>
           </p:cNvPr>
@@ -8289,7 +8275,7 @@
           <p:cNvPr id="18" name="表格 19">
             <a:extLst>
               <a:ext uri="{FF2B5EF4-FFF2-40B4-BE49-F238E27FC236}">
-                <a16:creationId xmlns:a16="http://schemas.microsoft.com/office/drawing/2014/main" xmlns="" id="{D528024A-1220-4C4F-901C-479B039E6E0D}"/>
+                <a16:creationId xmlns="" xmlns:a16="http://schemas.microsoft.com/office/drawing/2014/main" id="{D528024A-1220-4C4F-901C-479B039E6E0D}"/>
               </a:ext>
             </a:extLst>
           </p:cNvPr>
@@ -8318,14 +8304,14 @@
                 <a:gridCol w="1698625">
                   <a:extLst>
                     <a:ext uri="{9D8B030D-6E8A-4147-A177-3AD203B41FA5}">
-                      <a16:colId xmlns:a16="http://schemas.microsoft.com/office/drawing/2014/main" xmlns="" val="1970944141"/>
+                      <a16:colId xmlns="" xmlns:a16="http://schemas.microsoft.com/office/drawing/2014/main" val="1970944141"/>
                     </a:ext>
                   </a:extLst>
                 </a:gridCol>
                 <a:gridCol w="1698625">
                   <a:extLst>
                     <a:ext uri="{9D8B030D-6E8A-4147-A177-3AD203B41FA5}">
-                      <a16:colId xmlns:a16="http://schemas.microsoft.com/office/drawing/2014/main" xmlns="" val="2154097592"/>
+                      <a16:colId xmlns="" xmlns:a16="http://schemas.microsoft.com/office/drawing/2014/main" val="2154097592"/>
                     </a:ext>
                   </a:extLst>
                 </a:gridCol>
@@ -8356,7 +8342,7 @@
                 </a:tc>
                 <a:extLst>
                   <a:ext uri="{0D108BD9-81ED-4DB2-BD59-A6C34878D82A}">
-                    <a16:rowId xmlns:a16="http://schemas.microsoft.com/office/drawing/2014/main" xmlns="" val="3492731121"/>
+                    <a16:rowId xmlns="" xmlns:a16="http://schemas.microsoft.com/office/drawing/2014/main" val="3492731121"/>
                   </a:ext>
                 </a:extLst>
               </a:tr>
@@ -8383,7 +8369,7 @@
                 </a:tc>
                 <a:extLst>
                   <a:ext uri="{0D108BD9-81ED-4DB2-BD59-A6C34878D82A}">
-                    <a16:rowId xmlns:a16="http://schemas.microsoft.com/office/drawing/2014/main" xmlns="" val="1923748317"/>
+                    <a16:rowId xmlns="" xmlns:a16="http://schemas.microsoft.com/office/drawing/2014/main" val="1923748317"/>
                   </a:ext>
                 </a:extLst>
               </a:tr>
@@ -8410,7 +8396,7 @@
                 </a:tc>
                 <a:extLst>
                   <a:ext uri="{0D108BD9-81ED-4DB2-BD59-A6C34878D82A}">
-                    <a16:rowId xmlns:a16="http://schemas.microsoft.com/office/drawing/2014/main" xmlns="" val="2318545201"/>
+                    <a16:rowId xmlns="" xmlns:a16="http://schemas.microsoft.com/office/drawing/2014/main" val="2318545201"/>
                   </a:ext>
                 </a:extLst>
               </a:tr>
@@ -8453,7 +8439,7 @@
           <p:cNvPr id="4" name="矩形 3">
             <a:extLst>
               <a:ext uri="{FF2B5EF4-FFF2-40B4-BE49-F238E27FC236}">
-                <a16:creationId xmlns:a16="http://schemas.microsoft.com/office/drawing/2014/main" xmlns="" id="{7C59F971-A75E-466B-B078-4D497A0306D5}"/>
+                <a16:creationId xmlns="" xmlns:a16="http://schemas.microsoft.com/office/drawing/2014/main" id="{7C59F971-A75E-466B-B078-4D497A0306D5}"/>
               </a:ext>
             </a:extLst>
           </p:cNvPr>
@@ -8507,7 +8493,7 @@
           <p:cNvPr id="6" name="直接连接符 5">
             <a:extLst>
               <a:ext uri="{FF2B5EF4-FFF2-40B4-BE49-F238E27FC236}">
-                <a16:creationId xmlns:a16="http://schemas.microsoft.com/office/drawing/2014/main" xmlns="" id="{B6C63E3D-FF7D-4F47-A6D5-897D2F5B2B16}"/>
+                <a16:creationId xmlns="" xmlns:a16="http://schemas.microsoft.com/office/drawing/2014/main" id="{B6C63E3D-FF7D-4F47-A6D5-897D2F5B2B16}"/>
               </a:ext>
             </a:extLst>
           </p:cNvPr>
@@ -8544,7 +8530,7 @@
           <p:cNvPr id="8" name="直接连接符 7">
             <a:extLst>
               <a:ext uri="{FF2B5EF4-FFF2-40B4-BE49-F238E27FC236}">
-                <a16:creationId xmlns:a16="http://schemas.microsoft.com/office/drawing/2014/main" xmlns="" id="{8486A2E2-F387-46CE-A63A-F73D3071A312}"/>
+                <a16:creationId xmlns="" xmlns:a16="http://schemas.microsoft.com/office/drawing/2014/main" id="{8486A2E2-F387-46CE-A63A-F73D3071A312}"/>
               </a:ext>
             </a:extLst>
           </p:cNvPr>
@@ -8581,7 +8567,7 @@
           <p:cNvPr id="10" name="直接连接符 9">
             <a:extLst>
               <a:ext uri="{FF2B5EF4-FFF2-40B4-BE49-F238E27FC236}">
-                <a16:creationId xmlns:a16="http://schemas.microsoft.com/office/drawing/2014/main" xmlns="" id="{BE6B91E6-4939-4F49-BA2A-03B87B1690C3}"/>
+                <a16:creationId xmlns="" xmlns:a16="http://schemas.microsoft.com/office/drawing/2014/main" id="{BE6B91E6-4939-4F49-BA2A-03B87B1690C3}"/>
               </a:ext>
             </a:extLst>
           </p:cNvPr>
@@ -8617,7 +8603,7 @@
           <p:cNvPr id="12" name="直接连接符 11">
             <a:extLst>
               <a:ext uri="{FF2B5EF4-FFF2-40B4-BE49-F238E27FC236}">
-                <a16:creationId xmlns:a16="http://schemas.microsoft.com/office/drawing/2014/main" xmlns="" id="{2E6B5E5F-2575-4975-AC97-6B58D8F2D270}"/>
+                <a16:creationId xmlns="" xmlns:a16="http://schemas.microsoft.com/office/drawing/2014/main" id="{2E6B5E5F-2575-4975-AC97-6B58D8F2D270}"/>
               </a:ext>
             </a:extLst>
           </p:cNvPr>
@@ -8653,7 +8639,7 @@
           <p:cNvPr id="13" name="文本框 12">
             <a:extLst>
               <a:ext uri="{FF2B5EF4-FFF2-40B4-BE49-F238E27FC236}">
-                <a16:creationId xmlns:a16="http://schemas.microsoft.com/office/drawing/2014/main" xmlns="" id="{277991F2-952E-4D12-9F3E-24EC0E8F1399}"/>
+                <a16:creationId xmlns="" xmlns:a16="http://schemas.microsoft.com/office/drawing/2014/main" id="{277991F2-952E-4D12-9F3E-24EC0E8F1399}"/>
               </a:ext>
             </a:extLst>
           </p:cNvPr>
@@ -8688,7 +8674,7 @@
           <p:cNvPr id="15" name="文本框 14">
             <a:extLst>
               <a:ext uri="{FF2B5EF4-FFF2-40B4-BE49-F238E27FC236}">
-                <a16:creationId xmlns:a16="http://schemas.microsoft.com/office/drawing/2014/main" xmlns="" id="{8397EFDC-FDA6-4152-9895-F5943925AF4C}"/>
+                <a16:creationId xmlns="" xmlns:a16="http://schemas.microsoft.com/office/drawing/2014/main" id="{8397EFDC-FDA6-4152-9895-F5943925AF4C}"/>
               </a:ext>
             </a:extLst>
           </p:cNvPr>
@@ -8723,7 +8709,7 @@
           <p:cNvPr id="17" name="文本框 16">
             <a:extLst>
               <a:ext uri="{FF2B5EF4-FFF2-40B4-BE49-F238E27FC236}">
-                <a16:creationId xmlns:a16="http://schemas.microsoft.com/office/drawing/2014/main" xmlns="" id="{F98714D8-1682-44A2-9A58-51E942308A9B}"/>
+                <a16:creationId xmlns="" xmlns:a16="http://schemas.microsoft.com/office/drawing/2014/main" id="{F98714D8-1682-44A2-9A58-51E942308A9B}"/>
               </a:ext>
             </a:extLst>
           </p:cNvPr>
@@ -8758,7 +8744,7 @@
           <p:cNvPr id="19" name="直接连接符 18">
             <a:extLst>
               <a:ext uri="{FF2B5EF4-FFF2-40B4-BE49-F238E27FC236}">
-                <a16:creationId xmlns:a16="http://schemas.microsoft.com/office/drawing/2014/main" xmlns="" id="{EC5DFE42-3498-447A-B714-E2EB9216F4D1}"/>
+                <a16:creationId xmlns="" xmlns:a16="http://schemas.microsoft.com/office/drawing/2014/main" id="{EC5DFE42-3498-447A-B714-E2EB9216F4D1}"/>
               </a:ext>
             </a:extLst>
           </p:cNvPr>
@@ -8794,7 +8780,7 @@
           <p:cNvPr id="21" name="文本框 20">
             <a:extLst>
               <a:ext uri="{FF2B5EF4-FFF2-40B4-BE49-F238E27FC236}">
-                <a16:creationId xmlns:a16="http://schemas.microsoft.com/office/drawing/2014/main" xmlns="" id="{5A7593B4-1A8F-4664-8ED3-6A128BBF7760}"/>
+                <a16:creationId xmlns="" xmlns:a16="http://schemas.microsoft.com/office/drawing/2014/main" id="{5A7593B4-1A8F-4664-8ED3-6A128BBF7760}"/>
               </a:ext>
             </a:extLst>
           </p:cNvPr>
@@ -8829,7 +8815,7 @@
           <p:cNvPr id="23" name="直接连接符 22">
             <a:extLst>
               <a:ext uri="{FF2B5EF4-FFF2-40B4-BE49-F238E27FC236}">
-                <a16:creationId xmlns:a16="http://schemas.microsoft.com/office/drawing/2014/main" xmlns="" id="{415F7A5B-15B4-40C0-9524-51A6473FE2BC}"/>
+                <a16:creationId xmlns="" xmlns:a16="http://schemas.microsoft.com/office/drawing/2014/main" id="{415F7A5B-15B4-40C0-9524-51A6473FE2BC}"/>
               </a:ext>
             </a:extLst>
           </p:cNvPr>
@@ -8867,7 +8853,7 @@
           <p:cNvPr id="26" name="文本框 25">
             <a:extLst>
               <a:ext uri="{FF2B5EF4-FFF2-40B4-BE49-F238E27FC236}">
-                <a16:creationId xmlns:a16="http://schemas.microsoft.com/office/drawing/2014/main" xmlns="" id="{8199227A-4442-494F-9BFD-D8632734BCF5}"/>
+                <a16:creationId xmlns="" xmlns:a16="http://schemas.microsoft.com/office/drawing/2014/main" id="{8199227A-4442-494F-9BFD-D8632734BCF5}"/>
               </a:ext>
             </a:extLst>
           </p:cNvPr>
@@ -8902,7 +8888,7 @@
           <p:cNvPr id="28" name="直接连接符 27">
             <a:extLst>
               <a:ext uri="{FF2B5EF4-FFF2-40B4-BE49-F238E27FC236}">
-                <a16:creationId xmlns:a16="http://schemas.microsoft.com/office/drawing/2014/main" xmlns="" id="{E04D8FB5-78B8-4150-8BF6-8078B29F0915}"/>
+                <a16:creationId xmlns="" xmlns:a16="http://schemas.microsoft.com/office/drawing/2014/main" id="{E04D8FB5-78B8-4150-8BF6-8078B29F0915}"/>
               </a:ext>
             </a:extLst>
           </p:cNvPr>
@@ -8938,7 +8924,7 @@
           <p:cNvPr id="30" name="文本框 29">
             <a:extLst>
               <a:ext uri="{FF2B5EF4-FFF2-40B4-BE49-F238E27FC236}">
-                <a16:creationId xmlns:a16="http://schemas.microsoft.com/office/drawing/2014/main" xmlns="" id="{5E1D2323-E17D-404B-8E96-7D83C0B80477}"/>
+                <a16:creationId xmlns="" xmlns:a16="http://schemas.microsoft.com/office/drawing/2014/main" id="{5E1D2323-E17D-404B-8E96-7D83C0B80477}"/>
               </a:ext>
             </a:extLst>
           </p:cNvPr>
@@ -8973,7 +8959,7 @@
           <p:cNvPr id="32" name="直接连接符 31">
             <a:extLst>
               <a:ext uri="{FF2B5EF4-FFF2-40B4-BE49-F238E27FC236}">
-                <a16:creationId xmlns:a16="http://schemas.microsoft.com/office/drawing/2014/main" xmlns="" id="{8013E9B9-8FD6-48E0-B6ED-C10972A21A73}"/>
+                <a16:creationId xmlns="" xmlns:a16="http://schemas.microsoft.com/office/drawing/2014/main" id="{8013E9B9-8FD6-48E0-B6ED-C10972A21A73}"/>
               </a:ext>
             </a:extLst>
           </p:cNvPr>
@@ -9009,7 +8995,7 @@
           <p:cNvPr id="34" name="文本框 33">
             <a:extLst>
               <a:ext uri="{FF2B5EF4-FFF2-40B4-BE49-F238E27FC236}">
-                <a16:creationId xmlns:a16="http://schemas.microsoft.com/office/drawing/2014/main" xmlns="" id="{0D8DC410-1092-4854-AFD1-24170328B516}"/>
+                <a16:creationId xmlns="" xmlns:a16="http://schemas.microsoft.com/office/drawing/2014/main" id="{0D8DC410-1092-4854-AFD1-24170328B516}"/>
               </a:ext>
             </a:extLst>
           </p:cNvPr>
@@ -9044,7 +9030,7 @@
           <p:cNvPr id="2" name="表格 2">
             <a:extLst>
               <a:ext uri="{FF2B5EF4-FFF2-40B4-BE49-F238E27FC236}">
-                <a16:creationId xmlns:a16="http://schemas.microsoft.com/office/drawing/2014/main" xmlns="" id="{C162E2EE-4D1D-46F6-AE41-DD91897B167F}"/>
+                <a16:creationId xmlns="" xmlns:a16="http://schemas.microsoft.com/office/drawing/2014/main" id="{C162E2EE-4D1D-46F6-AE41-DD91897B167F}"/>
               </a:ext>
             </a:extLst>
           </p:cNvPr>
@@ -9073,14 +9059,14 @@
                 <a:gridCol w="1843086">
                   <a:extLst>
                     <a:ext uri="{9D8B030D-6E8A-4147-A177-3AD203B41FA5}">
-                      <a16:colId xmlns:a16="http://schemas.microsoft.com/office/drawing/2014/main" xmlns="" val="211923147"/>
+                      <a16:colId xmlns="" xmlns:a16="http://schemas.microsoft.com/office/drawing/2014/main" val="211923147"/>
                     </a:ext>
                   </a:extLst>
                 </a:gridCol>
                 <a:gridCol w="1843086">
                   <a:extLst>
                     <a:ext uri="{9D8B030D-6E8A-4147-A177-3AD203B41FA5}">
-                      <a16:colId xmlns:a16="http://schemas.microsoft.com/office/drawing/2014/main" xmlns="" val="2362545571"/>
+                      <a16:colId xmlns="" xmlns:a16="http://schemas.microsoft.com/office/drawing/2014/main" val="2362545571"/>
                     </a:ext>
                   </a:extLst>
                 </a:gridCol>
@@ -9116,7 +9102,7 @@
                 </a:tc>
                 <a:extLst>
                   <a:ext uri="{0D108BD9-81ED-4DB2-BD59-A6C34878D82A}">
-                    <a16:rowId xmlns:a16="http://schemas.microsoft.com/office/drawing/2014/main" xmlns="" val="575995462"/>
+                    <a16:rowId xmlns="" xmlns:a16="http://schemas.microsoft.com/office/drawing/2014/main" val="575995462"/>
                   </a:ext>
                 </a:extLst>
               </a:tr>
@@ -9146,7 +9132,7 @@
                 </a:tc>
                 <a:extLst>
                   <a:ext uri="{0D108BD9-81ED-4DB2-BD59-A6C34878D82A}">
-                    <a16:rowId xmlns:a16="http://schemas.microsoft.com/office/drawing/2014/main" xmlns="" val="3906694559"/>
+                    <a16:rowId xmlns="" xmlns:a16="http://schemas.microsoft.com/office/drawing/2014/main" val="3906694559"/>
                   </a:ext>
                 </a:extLst>
               </a:tr>
@@ -9176,7 +9162,7 @@
                 </a:tc>
                 <a:extLst>
                   <a:ext uri="{0D108BD9-81ED-4DB2-BD59-A6C34878D82A}">
-                    <a16:rowId xmlns:a16="http://schemas.microsoft.com/office/drawing/2014/main" xmlns="" val="483785755"/>
+                    <a16:rowId xmlns="" xmlns:a16="http://schemas.microsoft.com/office/drawing/2014/main" val="483785755"/>
                   </a:ext>
                 </a:extLst>
               </a:tr>
@@ -9206,7 +9192,7 @@
                 </a:tc>
                 <a:extLst>
                   <a:ext uri="{0D108BD9-81ED-4DB2-BD59-A6C34878D82A}">
-                    <a16:rowId xmlns:a16="http://schemas.microsoft.com/office/drawing/2014/main" xmlns="" val="1869802205"/>
+                    <a16:rowId xmlns="" xmlns:a16="http://schemas.microsoft.com/office/drawing/2014/main" val="1869802205"/>
                   </a:ext>
                 </a:extLst>
               </a:tr>
@@ -9236,7 +9222,7 @@
                 </a:tc>
                 <a:extLst>
                   <a:ext uri="{0D108BD9-81ED-4DB2-BD59-A6C34878D82A}">
-                    <a16:rowId xmlns:a16="http://schemas.microsoft.com/office/drawing/2014/main" xmlns="" val="3059500872"/>
+                    <a16:rowId xmlns="" xmlns:a16="http://schemas.microsoft.com/office/drawing/2014/main" val="3059500872"/>
                   </a:ext>
                 </a:extLst>
               </a:tr>
@@ -9266,7 +9252,7 @@
                 </a:tc>
                 <a:extLst>
                   <a:ext uri="{0D108BD9-81ED-4DB2-BD59-A6C34878D82A}">
-                    <a16:rowId xmlns:a16="http://schemas.microsoft.com/office/drawing/2014/main" xmlns="" val="2106852367"/>
+                    <a16:rowId xmlns="" xmlns:a16="http://schemas.microsoft.com/office/drawing/2014/main" val="2106852367"/>
                   </a:ext>
                 </a:extLst>
               </a:tr>
@@ -9293,7 +9279,7 @@
                 </a:tc>
                 <a:extLst>
                   <a:ext uri="{0D108BD9-81ED-4DB2-BD59-A6C34878D82A}">
-                    <a16:rowId xmlns:a16="http://schemas.microsoft.com/office/drawing/2014/main" xmlns="" val="1742431457"/>
+                    <a16:rowId xmlns="" xmlns:a16="http://schemas.microsoft.com/office/drawing/2014/main" val="1742431457"/>
                   </a:ext>
                 </a:extLst>
               </a:tr>
@@ -9320,7 +9306,7 @@
                 </a:tc>
                 <a:extLst>
                   <a:ext uri="{0D108BD9-81ED-4DB2-BD59-A6C34878D82A}">
-                    <a16:rowId xmlns:a16="http://schemas.microsoft.com/office/drawing/2014/main" xmlns="" val="1266575528"/>
+                    <a16:rowId xmlns="" xmlns:a16="http://schemas.microsoft.com/office/drawing/2014/main" val="1266575528"/>
                   </a:ext>
                 </a:extLst>
               </a:tr>
@@ -9347,7 +9333,7 @@
                 </a:tc>
                 <a:extLst>
                   <a:ext uri="{0D108BD9-81ED-4DB2-BD59-A6C34878D82A}">
-                    <a16:rowId xmlns:a16="http://schemas.microsoft.com/office/drawing/2014/main" xmlns="" val="1300286417"/>
+                    <a16:rowId xmlns="" xmlns:a16="http://schemas.microsoft.com/office/drawing/2014/main" val="1300286417"/>
                   </a:ext>
                 </a:extLst>
               </a:tr>
@@ -9374,7 +9360,7 @@
                 </a:tc>
                 <a:extLst>
                   <a:ext uri="{0D108BD9-81ED-4DB2-BD59-A6C34878D82A}">
-                    <a16:rowId xmlns:a16="http://schemas.microsoft.com/office/drawing/2014/main" xmlns="" val="3854864443"/>
+                    <a16:rowId xmlns="" xmlns:a16="http://schemas.microsoft.com/office/drawing/2014/main" val="3854864443"/>
                   </a:ext>
                 </a:extLst>
               </a:tr>
@@ -9387,7 +9373,7 @@
           <p:cNvPr id="3" name="表格 4">
             <a:extLst>
               <a:ext uri="{FF2B5EF4-FFF2-40B4-BE49-F238E27FC236}">
-                <a16:creationId xmlns:a16="http://schemas.microsoft.com/office/drawing/2014/main" xmlns="" id="{21206EB1-1CF6-4687-B8D4-D7FFCB16456B}"/>
+                <a16:creationId xmlns="" xmlns:a16="http://schemas.microsoft.com/office/drawing/2014/main" id="{21206EB1-1CF6-4687-B8D4-D7FFCB16456B}"/>
               </a:ext>
             </a:extLst>
           </p:cNvPr>
@@ -9416,21 +9402,21 @@
                 <a:gridCol w="2539998">
                   <a:extLst>
                     <a:ext uri="{9D8B030D-6E8A-4147-A177-3AD203B41FA5}">
-                      <a16:colId xmlns:a16="http://schemas.microsoft.com/office/drawing/2014/main" xmlns="" val="1326129575"/>
+                      <a16:colId xmlns="" xmlns:a16="http://schemas.microsoft.com/office/drawing/2014/main" val="1326129575"/>
                     </a:ext>
                   </a:extLst>
                 </a:gridCol>
                 <a:gridCol w="2539998">
                   <a:extLst>
                     <a:ext uri="{9D8B030D-6E8A-4147-A177-3AD203B41FA5}">
-                      <a16:colId xmlns:a16="http://schemas.microsoft.com/office/drawing/2014/main" xmlns="" val="3616976972"/>
+                      <a16:colId xmlns="" xmlns:a16="http://schemas.microsoft.com/office/drawing/2014/main" val="3616976972"/>
                     </a:ext>
                   </a:extLst>
                 </a:gridCol>
                 <a:gridCol w="2539998">
                   <a:extLst>
                     <a:ext uri="{9D8B030D-6E8A-4147-A177-3AD203B41FA5}">
-                      <a16:colId xmlns:a16="http://schemas.microsoft.com/office/drawing/2014/main" xmlns="" val="3972176495"/>
+                      <a16:colId xmlns="" xmlns:a16="http://schemas.microsoft.com/office/drawing/2014/main" val="3972176495"/>
                     </a:ext>
                   </a:extLst>
                 </a:gridCol>
@@ -9481,7 +9467,7 @@
                 </a:tc>
                 <a:extLst>
                   <a:ext uri="{0D108BD9-81ED-4DB2-BD59-A6C34878D82A}">
-                    <a16:rowId xmlns:a16="http://schemas.microsoft.com/office/drawing/2014/main" xmlns="" val="3646735674"/>
+                    <a16:rowId xmlns="" xmlns:a16="http://schemas.microsoft.com/office/drawing/2014/main" val="3646735674"/>
                   </a:ext>
                 </a:extLst>
               </a:tr>
@@ -9494,7 +9480,7 @@
           <p:cNvPr id="5" name="表格 6">
             <a:extLst>
               <a:ext uri="{FF2B5EF4-FFF2-40B4-BE49-F238E27FC236}">
-                <a16:creationId xmlns:a16="http://schemas.microsoft.com/office/drawing/2014/main" xmlns="" id="{1D1C1604-561A-4899-BE27-E8E77D69A571}"/>
+                <a16:creationId xmlns="" xmlns:a16="http://schemas.microsoft.com/office/drawing/2014/main" id="{1D1C1604-561A-4899-BE27-E8E77D69A571}"/>
               </a:ext>
             </a:extLst>
           </p:cNvPr>
@@ -9523,14 +9509,14 @@
                 <a:gridCol w="3469229">
                   <a:extLst>
                     <a:ext uri="{9D8B030D-6E8A-4147-A177-3AD203B41FA5}">
-                      <a16:colId xmlns:a16="http://schemas.microsoft.com/office/drawing/2014/main" xmlns="" val="2863035423"/>
+                      <a16:colId xmlns="" xmlns:a16="http://schemas.microsoft.com/office/drawing/2014/main" val="2863035423"/>
                     </a:ext>
                   </a:extLst>
                 </a:gridCol>
                 <a:gridCol w="3469229">
                   <a:extLst>
                     <a:ext uri="{9D8B030D-6E8A-4147-A177-3AD203B41FA5}">
-                      <a16:colId xmlns:a16="http://schemas.microsoft.com/office/drawing/2014/main" xmlns="" val="3283773324"/>
+                      <a16:colId xmlns="" xmlns:a16="http://schemas.microsoft.com/office/drawing/2014/main" val="3283773324"/>
                     </a:ext>
                   </a:extLst>
                 </a:gridCol>
@@ -9561,7 +9547,7 @@
                 </a:tc>
                 <a:extLst>
                   <a:ext uri="{0D108BD9-81ED-4DB2-BD59-A6C34878D82A}">
-                    <a16:rowId xmlns:a16="http://schemas.microsoft.com/office/drawing/2014/main" xmlns="" val="850157916"/>
+                    <a16:rowId xmlns="" xmlns:a16="http://schemas.microsoft.com/office/drawing/2014/main" val="850157916"/>
                   </a:ext>
                 </a:extLst>
               </a:tr>
@@ -9591,7 +9577,7 @@
                 </a:tc>
                 <a:extLst>
                   <a:ext uri="{0D108BD9-81ED-4DB2-BD59-A6C34878D82A}">
-                    <a16:rowId xmlns:a16="http://schemas.microsoft.com/office/drawing/2014/main" xmlns="" val="2284702243"/>
+                    <a16:rowId xmlns="" xmlns:a16="http://schemas.microsoft.com/office/drawing/2014/main" val="2284702243"/>
                   </a:ext>
                 </a:extLst>
               </a:tr>
@@ -9621,7 +9607,7 @@
                 </a:tc>
                 <a:extLst>
                   <a:ext uri="{0D108BD9-81ED-4DB2-BD59-A6C34878D82A}">
-                    <a16:rowId xmlns:a16="http://schemas.microsoft.com/office/drawing/2014/main" xmlns="" val="4182735408"/>
+                    <a16:rowId xmlns="" xmlns:a16="http://schemas.microsoft.com/office/drawing/2014/main" val="4182735408"/>
                   </a:ext>
                 </a:extLst>
               </a:tr>
@@ -9634,7 +9620,7 @@
           <p:cNvPr id="7" name="标注: 弯曲线形(无边框) 6">
             <a:extLst>
               <a:ext uri="{FF2B5EF4-FFF2-40B4-BE49-F238E27FC236}">
-                <a16:creationId xmlns:a16="http://schemas.microsoft.com/office/drawing/2014/main" xmlns="" id="{AF0896F0-67EE-40E8-A8FA-E6408166BFEF}"/>
+                <a16:creationId xmlns="" xmlns:a16="http://schemas.microsoft.com/office/drawing/2014/main" id="{AF0896F0-67EE-40E8-A8FA-E6408166BFEF}"/>
               </a:ext>
             </a:extLst>
           </p:cNvPr>
@@ -9721,7 +9707,7 @@
           <p:cNvPr id="4" name="矩形 3">
             <a:extLst>
               <a:ext uri="{FF2B5EF4-FFF2-40B4-BE49-F238E27FC236}">
-                <a16:creationId xmlns:a16="http://schemas.microsoft.com/office/drawing/2014/main" xmlns="" id="{7C59F971-A75E-466B-B078-4D497A0306D5}"/>
+                <a16:creationId xmlns="" xmlns:a16="http://schemas.microsoft.com/office/drawing/2014/main" id="{7C59F971-A75E-466B-B078-4D497A0306D5}"/>
               </a:ext>
             </a:extLst>
           </p:cNvPr>
@@ -9775,7 +9761,7 @@
           <p:cNvPr id="6" name="直接连接符 5">
             <a:extLst>
               <a:ext uri="{FF2B5EF4-FFF2-40B4-BE49-F238E27FC236}">
-                <a16:creationId xmlns:a16="http://schemas.microsoft.com/office/drawing/2014/main" xmlns="" id="{B6C63E3D-FF7D-4F47-A6D5-897D2F5B2B16}"/>
+                <a16:creationId xmlns="" xmlns:a16="http://schemas.microsoft.com/office/drawing/2014/main" id="{B6C63E3D-FF7D-4F47-A6D5-897D2F5B2B16}"/>
               </a:ext>
             </a:extLst>
           </p:cNvPr>
@@ -9812,7 +9798,7 @@
           <p:cNvPr id="8" name="直接连接符 7">
             <a:extLst>
               <a:ext uri="{FF2B5EF4-FFF2-40B4-BE49-F238E27FC236}">
-                <a16:creationId xmlns:a16="http://schemas.microsoft.com/office/drawing/2014/main" xmlns="" id="{8486A2E2-F387-46CE-A63A-F73D3071A312}"/>
+                <a16:creationId xmlns="" xmlns:a16="http://schemas.microsoft.com/office/drawing/2014/main" id="{8486A2E2-F387-46CE-A63A-F73D3071A312}"/>
               </a:ext>
             </a:extLst>
           </p:cNvPr>
@@ -9849,7 +9835,7 @@
           <p:cNvPr id="10" name="直接连接符 9">
             <a:extLst>
               <a:ext uri="{FF2B5EF4-FFF2-40B4-BE49-F238E27FC236}">
-                <a16:creationId xmlns:a16="http://schemas.microsoft.com/office/drawing/2014/main" xmlns="" id="{BE6B91E6-4939-4F49-BA2A-03B87B1690C3}"/>
+                <a16:creationId xmlns="" xmlns:a16="http://schemas.microsoft.com/office/drawing/2014/main" id="{BE6B91E6-4939-4F49-BA2A-03B87B1690C3}"/>
               </a:ext>
             </a:extLst>
           </p:cNvPr>
@@ -9885,7 +9871,7 @@
           <p:cNvPr id="12" name="直接连接符 11">
             <a:extLst>
               <a:ext uri="{FF2B5EF4-FFF2-40B4-BE49-F238E27FC236}">
-                <a16:creationId xmlns:a16="http://schemas.microsoft.com/office/drawing/2014/main" xmlns="" id="{2E6B5E5F-2575-4975-AC97-6B58D8F2D270}"/>
+                <a16:creationId xmlns="" xmlns:a16="http://schemas.microsoft.com/office/drawing/2014/main" id="{2E6B5E5F-2575-4975-AC97-6B58D8F2D270}"/>
               </a:ext>
             </a:extLst>
           </p:cNvPr>
@@ -9921,7 +9907,7 @@
           <p:cNvPr id="13" name="文本框 12">
             <a:extLst>
               <a:ext uri="{FF2B5EF4-FFF2-40B4-BE49-F238E27FC236}">
-                <a16:creationId xmlns:a16="http://schemas.microsoft.com/office/drawing/2014/main" xmlns="" id="{277991F2-952E-4D12-9F3E-24EC0E8F1399}"/>
+                <a16:creationId xmlns="" xmlns:a16="http://schemas.microsoft.com/office/drawing/2014/main" id="{277991F2-952E-4D12-9F3E-24EC0E8F1399}"/>
               </a:ext>
             </a:extLst>
           </p:cNvPr>
@@ -9956,7 +9942,7 @@
           <p:cNvPr id="15" name="文本框 14">
             <a:extLst>
               <a:ext uri="{FF2B5EF4-FFF2-40B4-BE49-F238E27FC236}">
-                <a16:creationId xmlns:a16="http://schemas.microsoft.com/office/drawing/2014/main" xmlns="" id="{8397EFDC-FDA6-4152-9895-F5943925AF4C}"/>
+                <a16:creationId xmlns="" xmlns:a16="http://schemas.microsoft.com/office/drawing/2014/main" id="{8397EFDC-FDA6-4152-9895-F5943925AF4C}"/>
               </a:ext>
             </a:extLst>
           </p:cNvPr>
@@ -9991,7 +9977,7 @@
           <p:cNvPr id="17" name="文本框 16">
             <a:extLst>
               <a:ext uri="{FF2B5EF4-FFF2-40B4-BE49-F238E27FC236}">
-                <a16:creationId xmlns:a16="http://schemas.microsoft.com/office/drawing/2014/main" xmlns="" id="{F98714D8-1682-44A2-9A58-51E942308A9B}"/>
+                <a16:creationId xmlns="" xmlns:a16="http://schemas.microsoft.com/office/drawing/2014/main" id="{F98714D8-1682-44A2-9A58-51E942308A9B}"/>
               </a:ext>
             </a:extLst>
           </p:cNvPr>
@@ -10026,7 +10012,7 @@
           <p:cNvPr id="19" name="直接连接符 18">
             <a:extLst>
               <a:ext uri="{FF2B5EF4-FFF2-40B4-BE49-F238E27FC236}">
-                <a16:creationId xmlns:a16="http://schemas.microsoft.com/office/drawing/2014/main" xmlns="" id="{EC5DFE42-3498-447A-B714-E2EB9216F4D1}"/>
+                <a16:creationId xmlns="" xmlns:a16="http://schemas.microsoft.com/office/drawing/2014/main" id="{EC5DFE42-3498-447A-B714-E2EB9216F4D1}"/>
               </a:ext>
             </a:extLst>
           </p:cNvPr>
@@ -10062,7 +10048,7 @@
           <p:cNvPr id="21" name="文本框 20">
             <a:extLst>
               <a:ext uri="{FF2B5EF4-FFF2-40B4-BE49-F238E27FC236}">
-                <a16:creationId xmlns:a16="http://schemas.microsoft.com/office/drawing/2014/main" xmlns="" id="{5A7593B4-1A8F-4664-8ED3-6A128BBF7760}"/>
+                <a16:creationId xmlns="" xmlns:a16="http://schemas.microsoft.com/office/drawing/2014/main" id="{5A7593B4-1A8F-4664-8ED3-6A128BBF7760}"/>
               </a:ext>
             </a:extLst>
           </p:cNvPr>
@@ -10097,7 +10083,7 @@
           <p:cNvPr id="23" name="直接连接符 22">
             <a:extLst>
               <a:ext uri="{FF2B5EF4-FFF2-40B4-BE49-F238E27FC236}">
-                <a16:creationId xmlns:a16="http://schemas.microsoft.com/office/drawing/2014/main" xmlns="" id="{415F7A5B-15B4-40C0-9524-51A6473FE2BC}"/>
+                <a16:creationId xmlns="" xmlns:a16="http://schemas.microsoft.com/office/drawing/2014/main" id="{415F7A5B-15B4-40C0-9524-51A6473FE2BC}"/>
               </a:ext>
             </a:extLst>
           </p:cNvPr>
@@ -10135,7 +10121,7 @@
           <p:cNvPr id="26" name="文本框 25">
             <a:extLst>
               <a:ext uri="{FF2B5EF4-FFF2-40B4-BE49-F238E27FC236}">
-                <a16:creationId xmlns:a16="http://schemas.microsoft.com/office/drawing/2014/main" xmlns="" id="{8199227A-4442-494F-9BFD-D8632734BCF5}"/>
+                <a16:creationId xmlns="" xmlns:a16="http://schemas.microsoft.com/office/drawing/2014/main" id="{8199227A-4442-494F-9BFD-D8632734BCF5}"/>
               </a:ext>
             </a:extLst>
           </p:cNvPr>
@@ -10170,7 +10156,7 @@
           <p:cNvPr id="28" name="直接连接符 27">
             <a:extLst>
               <a:ext uri="{FF2B5EF4-FFF2-40B4-BE49-F238E27FC236}">
-                <a16:creationId xmlns:a16="http://schemas.microsoft.com/office/drawing/2014/main" xmlns="" id="{E04D8FB5-78B8-4150-8BF6-8078B29F0915}"/>
+                <a16:creationId xmlns="" xmlns:a16="http://schemas.microsoft.com/office/drawing/2014/main" id="{E04D8FB5-78B8-4150-8BF6-8078B29F0915}"/>
               </a:ext>
             </a:extLst>
           </p:cNvPr>
@@ -10206,7 +10192,7 @@
           <p:cNvPr id="30" name="文本框 29">
             <a:extLst>
               <a:ext uri="{FF2B5EF4-FFF2-40B4-BE49-F238E27FC236}">
-                <a16:creationId xmlns:a16="http://schemas.microsoft.com/office/drawing/2014/main" xmlns="" id="{5E1D2323-E17D-404B-8E96-7D83C0B80477}"/>
+                <a16:creationId xmlns="" xmlns:a16="http://schemas.microsoft.com/office/drawing/2014/main" id="{5E1D2323-E17D-404B-8E96-7D83C0B80477}"/>
               </a:ext>
             </a:extLst>
           </p:cNvPr>
@@ -10245,7 +10231,7 @@
           <p:cNvPr id="32" name="直接连接符 31">
             <a:extLst>
               <a:ext uri="{FF2B5EF4-FFF2-40B4-BE49-F238E27FC236}">
-                <a16:creationId xmlns:a16="http://schemas.microsoft.com/office/drawing/2014/main" xmlns="" id="{8013E9B9-8FD6-48E0-B6ED-C10972A21A73}"/>
+                <a16:creationId xmlns="" xmlns:a16="http://schemas.microsoft.com/office/drawing/2014/main" id="{8013E9B9-8FD6-48E0-B6ED-C10972A21A73}"/>
               </a:ext>
             </a:extLst>
           </p:cNvPr>
@@ -10281,7 +10267,7 @@
           <p:cNvPr id="34" name="文本框 33">
             <a:extLst>
               <a:ext uri="{FF2B5EF4-FFF2-40B4-BE49-F238E27FC236}">
-                <a16:creationId xmlns:a16="http://schemas.microsoft.com/office/drawing/2014/main" xmlns="" id="{0D8DC410-1092-4854-AFD1-24170328B516}"/>
+                <a16:creationId xmlns="" xmlns:a16="http://schemas.microsoft.com/office/drawing/2014/main" id="{0D8DC410-1092-4854-AFD1-24170328B516}"/>
               </a:ext>
             </a:extLst>
           </p:cNvPr>
@@ -10316,7 +10302,7 @@
           <p:cNvPr id="2" name="矩形 1">
             <a:extLst>
               <a:ext uri="{FF2B5EF4-FFF2-40B4-BE49-F238E27FC236}">
-                <a16:creationId xmlns:a16="http://schemas.microsoft.com/office/drawing/2014/main" xmlns="" id="{7D9AAF56-A2D8-4423-9D13-F41AC4030787}"/>
+                <a16:creationId xmlns="" xmlns:a16="http://schemas.microsoft.com/office/drawing/2014/main" id="{7D9AAF56-A2D8-4423-9D13-F41AC4030787}"/>
               </a:ext>
             </a:extLst>
           </p:cNvPr>
@@ -10365,7 +10351,7 @@
           <p:cNvPr id="3" name="矩形 2">
             <a:extLst>
               <a:ext uri="{FF2B5EF4-FFF2-40B4-BE49-F238E27FC236}">
-                <a16:creationId xmlns:a16="http://schemas.microsoft.com/office/drawing/2014/main" xmlns="" id="{A5B045A0-6D68-405C-8F41-4C3122EB4B68}"/>
+                <a16:creationId xmlns="" xmlns:a16="http://schemas.microsoft.com/office/drawing/2014/main" id="{A5B045A0-6D68-405C-8F41-4C3122EB4B68}"/>
               </a:ext>
             </a:extLst>
           </p:cNvPr>
@@ -10414,7 +10400,7 @@
           <p:cNvPr id="5" name="矩形 4">
             <a:extLst>
               <a:ext uri="{FF2B5EF4-FFF2-40B4-BE49-F238E27FC236}">
-                <a16:creationId xmlns:a16="http://schemas.microsoft.com/office/drawing/2014/main" xmlns="" id="{DAF81E42-1312-4D9F-9C30-D902102D7C22}"/>
+                <a16:creationId xmlns="" xmlns:a16="http://schemas.microsoft.com/office/drawing/2014/main" id="{DAF81E42-1312-4D9F-9C30-D902102D7C22}"/>
               </a:ext>
             </a:extLst>
           </p:cNvPr>
@@ -10463,7 +10449,7 @@
           <p:cNvPr id="7" name="矩形 6">
             <a:extLst>
               <a:ext uri="{FF2B5EF4-FFF2-40B4-BE49-F238E27FC236}">
-                <a16:creationId xmlns:a16="http://schemas.microsoft.com/office/drawing/2014/main" xmlns="" id="{483EA248-0B1A-43C8-BFD8-148247593DDE}"/>
+                <a16:creationId xmlns="" xmlns:a16="http://schemas.microsoft.com/office/drawing/2014/main" id="{483EA248-0B1A-43C8-BFD8-148247593DDE}"/>
               </a:ext>
             </a:extLst>
           </p:cNvPr>
@@ -10546,7 +10532,7 @@
           <p:cNvPr id="4" name="矩形 3">
             <a:extLst>
               <a:ext uri="{FF2B5EF4-FFF2-40B4-BE49-F238E27FC236}">
-                <a16:creationId xmlns:a16="http://schemas.microsoft.com/office/drawing/2014/main" xmlns="" id="{7C59F971-A75E-466B-B078-4D497A0306D5}"/>
+                <a16:creationId xmlns="" xmlns:a16="http://schemas.microsoft.com/office/drawing/2014/main" id="{7C59F971-A75E-466B-B078-4D497A0306D5}"/>
               </a:ext>
             </a:extLst>
           </p:cNvPr>
@@ -10600,7 +10586,7 @@
           <p:cNvPr id="6" name="直接连接符 5">
             <a:extLst>
               <a:ext uri="{FF2B5EF4-FFF2-40B4-BE49-F238E27FC236}">
-                <a16:creationId xmlns:a16="http://schemas.microsoft.com/office/drawing/2014/main" xmlns="" id="{B6C63E3D-FF7D-4F47-A6D5-897D2F5B2B16}"/>
+                <a16:creationId xmlns="" xmlns:a16="http://schemas.microsoft.com/office/drawing/2014/main" id="{B6C63E3D-FF7D-4F47-A6D5-897D2F5B2B16}"/>
               </a:ext>
             </a:extLst>
           </p:cNvPr>
@@ -10637,7 +10623,7 @@
           <p:cNvPr id="8" name="直接连接符 7">
             <a:extLst>
               <a:ext uri="{FF2B5EF4-FFF2-40B4-BE49-F238E27FC236}">
-                <a16:creationId xmlns:a16="http://schemas.microsoft.com/office/drawing/2014/main" xmlns="" id="{8486A2E2-F387-46CE-A63A-F73D3071A312}"/>
+                <a16:creationId xmlns="" xmlns:a16="http://schemas.microsoft.com/office/drawing/2014/main" id="{8486A2E2-F387-46CE-A63A-F73D3071A312}"/>
               </a:ext>
             </a:extLst>
           </p:cNvPr>
@@ -10674,7 +10660,7 @@
           <p:cNvPr id="10" name="直接连接符 9">
             <a:extLst>
               <a:ext uri="{FF2B5EF4-FFF2-40B4-BE49-F238E27FC236}">
-                <a16:creationId xmlns:a16="http://schemas.microsoft.com/office/drawing/2014/main" xmlns="" id="{BE6B91E6-4939-4F49-BA2A-03B87B1690C3}"/>
+                <a16:creationId xmlns="" xmlns:a16="http://schemas.microsoft.com/office/drawing/2014/main" id="{BE6B91E6-4939-4F49-BA2A-03B87B1690C3}"/>
               </a:ext>
             </a:extLst>
           </p:cNvPr>
@@ -10710,7 +10696,7 @@
           <p:cNvPr id="12" name="直接连接符 11">
             <a:extLst>
               <a:ext uri="{FF2B5EF4-FFF2-40B4-BE49-F238E27FC236}">
-                <a16:creationId xmlns:a16="http://schemas.microsoft.com/office/drawing/2014/main" xmlns="" id="{2E6B5E5F-2575-4975-AC97-6B58D8F2D270}"/>
+                <a16:creationId xmlns="" xmlns:a16="http://schemas.microsoft.com/office/drawing/2014/main" id="{2E6B5E5F-2575-4975-AC97-6B58D8F2D270}"/>
               </a:ext>
             </a:extLst>
           </p:cNvPr>
@@ -10746,7 +10732,7 @@
           <p:cNvPr id="13" name="文本框 12">
             <a:extLst>
               <a:ext uri="{FF2B5EF4-FFF2-40B4-BE49-F238E27FC236}">
-                <a16:creationId xmlns:a16="http://schemas.microsoft.com/office/drawing/2014/main" xmlns="" id="{277991F2-952E-4D12-9F3E-24EC0E8F1399}"/>
+                <a16:creationId xmlns="" xmlns:a16="http://schemas.microsoft.com/office/drawing/2014/main" id="{277991F2-952E-4D12-9F3E-24EC0E8F1399}"/>
               </a:ext>
             </a:extLst>
           </p:cNvPr>
@@ -10781,7 +10767,7 @@
           <p:cNvPr id="15" name="文本框 14">
             <a:extLst>
               <a:ext uri="{FF2B5EF4-FFF2-40B4-BE49-F238E27FC236}">
-                <a16:creationId xmlns:a16="http://schemas.microsoft.com/office/drawing/2014/main" xmlns="" id="{8397EFDC-FDA6-4152-9895-F5943925AF4C}"/>
+                <a16:creationId xmlns="" xmlns:a16="http://schemas.microsoft.com/office/drawing/2014/main" id="{8397EFDC-FDA6-4152-9895-F5943925AF4C}"/>
               </a:ext>
             </a:extLst>
           </p:cNvPr>
@@ -10816,7 +10802,7 @@
           <p:cNvPr id="17" name="文本框 16">
             <a:extLst>
               <a:ext uri="{FF2B5EF4-FFF2-40B4-BE49-F238E27FC236}">
-                <a16:creationId xmlns:a16="http://schemas.microsoft.com/office/drawing/2014/main" xmlns="" id="{F98714D8-1682-44A2-9A58-51E942308A9B}"/>
+                <a16:creationId xmlns="" xmlns:a16="http://schemas.microsoft.com/office/drawing/2014/main" id="{F98714D8-1682-44A2-9A58-51E942308A9B}"/>
               </a:ext>
             </a:extLst>
           </p:cNvPr>
@@ -10851,7 +10837,7 @@
           <p:cNvPr id="19" name="直接连接符 18">
             <a:extLst>
               <a:ext uri="{FF2B5EF4-FFF2-40B4-BE49-F238E27FC236}">
-                <a16:creationId xmlns:a16="http://schemas.microsoft.com/office/drawing/2014/main" xmlns="" id="{EC5DFE42-3498-447A-B714-E2EB9216F4D1}"/>
+                <a16:creationId xmlns="" xmlns:a16="http://schemas.microsoft.com/office/drawing/2014/main" id="{EC5DFE42-3498-447A-B714-E2EB9216F4D1}"/>
               </a:ext>
             </a:extLst>
           </p:cNvPr>
@@ -10887,7 +10873,7 @@
           <p:cNvPr id="21" name="文本框 20">
             <a:extLst>
               <a:ext uri="{FF2B5EF4-FFF2-40B4-BE49-F238E27FC236}">
-                <a16:creationId xmlns:a16="http://schemas.microsoft.com/office/drawing/2014/main" xmlns="" id="{5A7593B4-1A8F-4664-8ED3-6A128BBF7760}"/>
+                <a16:creationId xmlns="" xmlns:a16="http://schemas.microsoft.com/office/drawing/2014/main" id="{5A7593B4-1A8F-4664-8ED3-6A128BBF7760}"/>
               </a:ext>
             </a:extLst>
           </p:cNvPr>
@@ -10922,7 +10908,7 @@
           <p:cNvPr id="23" name="直接连接符 22">
             <a:extLst>
               <a:ext uri="{FF2B5EF4-FFF2-40B4-BE49-F238E27FC236}">
-                <a16:creationId xmlns:a16="http://schemas.microsoft.com/office/drawing/2014/main" xmlns="" id="{415F7A5B-15B4-40C0-9524-51A6473FE2BC}"/>
+                <a16:creationId xmlns="" xmlns:a16="http://schemas.microsoft.com/office/drawing/2014/main" id="{415F7A5B-15B4-40C0-9524-51A6473FE2BC}"/>
               </a:ext>
             </a:extLst>
           </p:cNvPr>
@@ -10960,7 +10946,7 @@
           <p:cNvPr id="26" name="文本框 25">
             <a:extLst>
               <a:ext uri="{FF2B5EF4-FFF2-40B4-BE49-F238E27FC236}">
-                <a16:creationId xmlns:a16="http://schemas.microsoft.com/office/drawing/2014/main" xmlns="" id="{8199227A-4442-494F-9BFD-D8632734BCF5}"/>
+                <a16:creationId xmlns="" xmlns:a16="http://schemas.microsoft.com/office/drawing/2014/main" id="{8199227A-4442-494F-9BFD-D8632734BCF5}"/>
               </a:ext>
             </a:extLst>
           </p:cNvPr>
@@ -10995,7 +10981,7 @@
           <p:cNvPr id="28" name="直接连接符 27">
             <a:extLst>
               <a:ext uri="{FF2B5EF4-FFF2-40B4-BE49-F238E27FC236}">
-                <a16:creationId xmlns:a16="http://schemas.microsoft.com/office/drawing/2014/main" xmlns="" id="{E04D8FB5-78B8-4150-8BF6-8078B29F0915}"/>
+                <a16:creationId xmlns="" xmlns:a16="http://schemas.microsoft.com/office/drawing/2014/main" id="{E04D8FB5-78B8-4150-8BF6-8078B29F0915}"/>
               </a:ext>
             </a:extLst>
           </p:cNvPr>
@@ -11031,7 +11017,7 @@
           <p:cNvPr id="30" name="文本框 29">
             <a:extLst>
               <a:ext uri="{FF2B5EF4-FFF2-40B4-BE49-F238E27FC236}">
-                <a16:creationId xmlns:a16="http://schemas.microsoft.com/office/drawing/2014/main" xmlns="" id="{5E1D2323-E17D-404B-8E96-7D83C0B80477}"/>
+                <a16:creationId xmlns="" xmlns:a16="http://schemas.microsoft.com/office/drawing/2014/main" id="{5E1D2323-E17D-404B-8E96-7D83C0B80477}"/>
               </a:ext>
             </a:extLst>
           </p:cNvPr>
@@ -11066,7 +11052,7 @@
           <p:cNvPr id="32" name="直接连接符 31">
             <a:extLst>
               <a:ext uri="{FF2B5EF4-FFF2-40B4-BE49-F238E27FC236}">
-                <a16:creationId xmlns:a16="http://schemas.microsoft.com/office/drawing/2014/main" xmlns="" id="{8013E9B9-8FD6-48E0-B6ED-C10972A21A73}"/>
+                <a16:creationId xmlns="" xmlns:a16="http://schemas.microsoft.com/office/drawing/2014/main" id="{8013E9B9-8FD6-48E0-B6ED-C10972A21A73}"/>
               </a:ext>
             </a:extLst>
           </p:cNvPr>
@@ -11102,7 +11088,7 @@
           <p:cNvPr id="34" name="文本框 33">
             <a:extLst>
               <a:ext uri="{FF2B5EF4-FFF2-40B4-BE49-F238E27FC236}">
-                <a16:creationId xmlns:a16="http://schemas.microsoft.com/office/drawing/2014/main" xmlns="" id="{0D8DC410-1092-4854-AFD1-24170328B516}"/>
+                <a16:creationId xmlns="" xmlns:a16="http://schemas.microsoft.com/office/drawing/2014/main" id="{0D8DC410-1092-4854-AFD1-24170328B516}"/>
               </a:ext>
             </a:extLst>
           </p:cNvPr>
@@ -11141,7 +11127,7 @@
           <p:cNvPr id="2" name="文本框 1">
             <a:extLst>
               <a:ext uri="{FF2B5EF4-FFF2-40B4-BE49-F238E27FC236}">
-                <a16:creationId xmlns:a16="http://schemas.microsoft.com/office/drawing/2014/main" xmlns="" id="{F2904BD5-1914-466C-9C67-E1AA53A75F16}"/>
+                <a16:creationId xmlns="" xmlns:a16="http://schemas.microsoft.com/office/drawing/2014/main" id="{F2904BD5-1914-466C-9C67-E1AA53A75F16}"/>
               </a:ext>
             </a:extLst>
           </p:cNvPr>
